--- a/IAB-Covid-workshop-day3.pptx
+++ b/IAB-Covid-workshop-day3.pptx
@@ -4,14 +4,15 @@
   <p:sldMasterIdLst>
     <p:sldMasterId id="2147483648" r:id="rId2"/>
     <p:sldMasterId id="2147483661" r:id="rId3"/>
+    <p:sldMasterId id="2147483674" r:id="rId4"/>
   </p:sldMasterIdLst>
   <p:sldIdLst>
-    <p:sldId id="256" r:id="rId4"/>
-    <p:sldId id="257" r:id="rId5"/>
-    <p:sldId id="258" r:id="rId6"/>
-    <p:sldId id="259" r:id="rId7"/>
-    <p:sldId id="260" r:id="rId8"/>
-    <p:sldId id="261" r:id="rId9"/>
+    <p:sldId id="256" r:id="rId5"/>
+    <p:sldId id="257" r:id="rId6"/>
+    <p:sldId id="258" r:id="rId7"/>
+    <p:sldId id="259" r:id="rId8"/>
+    <p:sldId id="260" r:id="rId9"/>
+    <p:sldId id="261" r:id="rId10"/>
   </p:sldIdLst>
   <p:sldSz cx="12192000" cy="6858000"/>
   <p:notesSz cx="7559675" cy="10691812"/>
@@ -70,7 +71,7 @@
         <p:spPr>
           <a:xfrm>
             <a:off x="609480" y="273600"/>
-            <a:ext cx="10972440" cy="1144800"/>
+            <a:ext cx="10972080" cy="1144440"/>
           </a:xfrm>
           <a:prstGeom prst="rect">
             <a:avLst/>
@@ -101,7 +102,7 @@
         <p:spPr>
           <a:xfrm>
             <a:off x="609480" y="1604520"/>
-            <a:ext cx="10972440" cy="1896840"/>
+            <a:ext cx="10972080" cy="1896840"/>
           </a:xfrm>
           <a:prstGeom prst="rect">
             <a:avLst/>
@@ -131,7 +132,7 @@
         <p:spPr>
           <a:xfrm>
             <a:off x="609480" y="3682080"/>
-            <a:ext cx="10972440" cy="1896840"/>
+            <a:ext cx="10972080" cy="1896840"/>
           </a:xfrm>
           <a:prstGeom prst="rect">
             <a:avLst/>
@@ -183,7 +184,7 @@
         <p:spPr>
           <a:xfrm>
             <a:off x="609480" y="273600"/>
-            <a:ext cx="10972440" cy="1144800"/>
+            <a:ext cx="10972080" cy="1144440"/>
           </a:xfrm>
           <a:prstGeom prst="rect">
             <a:avLst/>
@@ -356,7 +357,7 @@
         <p:spPr>
           <a:xfrm>
             <a:off x="609480" y="273600"/>
-            <a:ext cx="10972440" cy="1144800"/>
+            <a:ext cx="10972080" cy="1144440"/>
           </a:xfrm>
           <a:prstGeom prst="rect">
             <a:avLst/>
@@ -387,7 +388,7 @@
         <p:spPr>
           <a:xfrm>
             <a:off x="609480" y="1604520"/>
-            <a:ext cx="3533040" cy="1896840"/>
+            <a:ext cx="3532680" cy="1896840"/>
           </a:xfrm>
           <a:prstGeom prst="rect">
             <a:avLst/>
@@ -416,8 +417,8 @@
         </p:nvSpPr>
         <p:spPr>
           <a:xfrm>
-            <a:off x="4319640" y="1604520"/>
-            <a:ext cx="3533040" cy="1896840"/>
+            <a:off x="4319280" y="1604520"/>
+            <a:ext cx="3532680" cy="1896840"/>
           </a:xfrm>
           <a:prstGeom prst="rect">
             <a:avLst/>
@@ -446,8 +447,8 @@
         </p:nvSpPr>
         <p:spPr>
           <a:xfrm>
-            <a:off x="8029800" y="1604520"/>
-            <a:ext cx="3533040" cy="1896840"/>
+            <a:off x="8028720" y="1604520"/>
+            <a:ext cx="3532680" cy="1896840"/>
           </a:xfrm>
           <a:prstGeom prst="rect">
             <a:avLst/>
@@ -477,7 +478,7 @@
         <p:spPr>
           <a:xfrm>
             <a:off x="609480" y="3682080"/>
-            <a:ext cx="3533040" cy="1896840"/>
+            <a:ext cx="3532680" cy="1896840"/>
           </a:xfrm>
           <a:prstGeom prst="rect">
             <a:avLst/>
@@ -506,8 +507,8 @@
         </p:nvSpPr>
         <p:spPr>
           <a:xfrm>
-            <a:off x="4319640" y="3682080"/>
-            <a:ext cx="3533040" cy="1896840"/>
+            <a:off x="4319280" y="3682080"/>
+            <a:ext cx="3532680" cy="1896840"/>
           </a:xfrm>
           <a:prstGeom prst="rect">
             <a:avLst/>
@@ -536,8 +537,8 @@
         </p:nvSpPr>
         <p:spPr>
           <a:xfrm>
-            <a:off x="8029800" y="3682080"/>
-            <a:ext cx="3533040" cy="1896840"/>
+            <a:off x="8028720" y="3682080"/>
+            <a:ext cx="3532680" cy="1896840"/>
           </a:xfrm>
           <a:prstGeom prst="rect">
             <a:avLst/>
@@ -611,7 +612,7 @@
         <p:spPr>
           <a:xfrm>
             <a:off x="609480" y="273600"/>
-            <a:ext cx="10972440" cy="1144800"/>
+            <a:ext cx="10972080" cy="1144440"/>
           </a:xfrm>
           <a:prstGeom prst="rect">
             <a:avLst/>
@@ -642,7 +643,7 @@
         <p:spPr>
           <a:xfrm>
             <a:off x="609480" y="1604520"/>
-            <a:ext cx="10972440" cy="3977280"/>
+            <a:ext cx="10972080" cy="3976920"/>
           </a:xfrm>
           <a:prstGeom prst="rect">
             <a:avLst/>
@@ -695,7 +696,7 @@
         <p:spPr>
           <a:xfrm>
             <a:off x="609480" y="273600"/>
-            <a:ext cx="10972440" cy="1144800"/>
+            <a:ext cx="10972080" cy="1144440"/>
           </a:xfrm>
           <a:prstGeom prst="rect">
             <a:avLst/>
@@ -726,7 +727,7 @@
         <p:spPr>
           <a:xfrm>
             <a:off x="609480" y="1604520"/>
-            <a:ext cx="10972440" cy="3977280"/>
+            <a:ext cx="10972080" cy="3976920"/>
           </a:xfrm>
           <a:prstGeom prst="rect">
             <a:avLst/>
@@ -778,7 +779,7 @@
         <p:spPr>
           <a:xfrm>
             <a:off x="609480" y="273600"/>
-            <a:ext cx="10972440" cy="1144800"/>
+            <a:ext cx="10972080" cy="1144440"/>
           </a:xfrm>
           <a:prstGeom prst="rect">
             <a:avLst/>
@@ -809,7 +810,7 @@
         <p:spPr>
           <a:xfrm>
             <a:off x="609480" y="1604520"/>
-            <a:ext cx="5354280" cy="3977280"/>
+            <a:ext cx="5354280" cy="3976920"/>
           </a:xfrm>
           <a:prstGeom prst="rect">
             <a:avLst/>
@@ -839,7 +840,7 @@
         <p:spPr>
           <a:xfrm>
             <a:off x="6231960" y="1604520"/>
-            <a:ext cx="5354280" cy="3977280"/>
+            <a:ext cx="5354280" cy="3976920"/>
           </a:xfrm>
           <a:prstGeom prst="rect">
             <a:avLst/>
@@ -891,7 +892,7 @@
         <p:spPr>
           <a:xfrm>
             <a:off x="609480" y="273600"/>
-            <a:ext cx="10972440" cy="1144800"/>
+            <a:ext cx="10972080" cy="1144440"/>
           </a:xfrm>
           <a:prstGeom prst="rect">
             <a:avLst/>
@@ -944,7 +945,7 @@
         <p:spPr>
           <a:xfrm>
             <a:off x="609480" y="273600"/>
-            <a:ext cx="10972440" cy="5307840"/>
+            <a:ext cx="10972080" cy="5306400"/>
           </a:xfrm>
           <a:prstGeom prst="rect">
             <a:avLst/>
@@ -997,7 +998,7 @@
         <p:spPr>
           <a:xfrm>
             <a:off x="609480" y="273600"/>
-            <a:ext cx="10972440" cy="1144800"/>
+            <a:ext cx="10972080" cy="1144440"/>
           </a:xfrm>
           <a:prstGeom prst="rect">
             <a:avLst/>
@@ -1058,7 +1059,7 @@
         <p:spPr>
           <a:xfrm>
             <a:off x="6231960" y="1604520"/>
-            <a:ext cx="5354280" cy="3977280"/>
+            <a:ext cx="5354280" cy="3976920"/>
           </a:xfrm>
           <a:prstGeom prst="rect">
             <a:avLst/>
@@ -1140,7 +1141,7 @@
         <p:spPr>
           <a:xfrm>
             <a:off x="609480" y="273600"/>
-            <a:ext cx="10972440" cy="1144800"/>
+            <a:ext cx="10972080" cy="1144440"/>
           </a:xfrm>
           <a:prstGeom prst="rect">
             <a:avLst/>
@@ -1171,7 +1172,7 @@
         <p:spPr>
           <a:xfrm>
             <a:off x="609480" y="1604520"/>
-            <a:ext cx="10972440" cy="3977280"/>
+            <a:ext cx="10972080" cy="3976920"/>
           </a:xfrm>
           <a:prstGeom prst="rect">
             <a:avLst/>
@@ -1224,7 +1225,7 @@
         <p:spPr>
           <a:xfrm>
             <a:off x="609480" y="273600"/>
-            <a:ext cx="10972440" cy="1144800"/>
+            <a:ext cx="10972080" cy="1144440"/>
           </a:xfrm>
           <a:prstGeom prst="rect">
             <a:avLst/>
@@ -1255,7 +1256,7 @@
         <p:spPr>
           <a:xfrm>
             <a:off x="609480" y="1604520"/>
-            <a:ext cx="5354280" cy="3977280"/>
+            <a:ext cx="5354280" cy="3976920"/>
           </a:xfrm>
           <a:prstGeom prst="rect">
             <a:avLst/>
@@ -1367,7 +1368,7 @@
         <p:spPr>
           <a:xfrm>
             <a:off x="609480" y="273600"/>
-            <a:ext cx="10972440" cy="1144800"/>
+            <a:ext cx="10972080" cy="1144440"/>
           </a:xfrm>
           <a:prstGeom prst="rect">
             <a:avLst/>
@@ -1458,7 +1459,7 @@
         <p:spPr>
           <a:xfrm>
             <a:off x="609480" y="3682080"/>
-            <a:ext cx="10972440" cy="1896840"/>
+            <a:ext cx="10972080" cy="1896840"/>
           </a:xfrm>
           <a:prstGeom prst="rect">
             <a:avLst/>
@@ -1510,7 +1511,7 @@
         <p:spPr>
           <a:xfrm>
             <a:off x="609480" y="273600"/>
-            <a:ext cx="10972440" cy="1144800"/>
+            <a:ext cx="10972080" cy="1144440"/>
           </a:xfrm>
           <a:prstGeom prst="rect">
             <a:avLst/>
@@ -1541,7 +1542,7 @@
         <p:spPr>
           <a:xfrm>
             <a:off x="609480" y="1604520"/>
-            <a:ext cx="10972440" cy="1896840"/>
+            <a:ext cx="10972080" cy="1896840"/>
           </a:xfrm>
           <a:prstGeom prst="rect">
             <a:avLst/>
@@ -1571,7 +1572,7 @@
         <p:spPr>
           <a:xfrm>
             <a:off x="609480" y="3682080"/>
-            <a:ext cx="10972440" cy="1896840"/>
+            <a:ext cx="10972080" cy="1896840"/>
           </a:xfrm>
           <a:prstGeom prst="rect">
             <a:avLst/>
@@ -1623,7 +1624,7 @@
         <p:spPr>
           <a:xfrm>
             <a:off x="609480" y="273600"/>
-            <a:ext cx="10972440" cy="1144800"/>
+            <a:ext cx="10972080" cy="1144440"/>
           </a:xfrm>
           <a:prstGeom prst="rect">
             <a:avLst/>
@@ -1796,7 +1797,7 @@
         <p:spPr>
           <a:xfrm>
             <a:off x="609480" y="273600"/>
-            <a:ext cx="10972440" cy="1144800"/>
+            <a:ext cx="10972080" cy="1144440"/>
           </a:xfrm>
           <a:prstGeom prst="rect">
             <a:avLst/>
@@ -1827,7 +1828,7 @@
         <p:spPr>
           <a:xfrm>
             <a:off x="609480" y="1604520"/>
-            <a:ext cx="3533040" cy="1896840"/>
+            <a:ext cx="3532680" cy="1896840"/>
           </a:xfrm>
           <a:prstGeom prst="rect">
             <a:avLst/>
@@ -1856,8 +1857,8 @@
         </p:nvSpPr>
         <p:spPr>
           <a:xfrm>
-            <a:off x="4319640" y="1604520"/>
-            <a:ext cx="3533040" cy="1896840"/>
+            <a:off x="4319280" y="1604520"/>
+            <a:ext cx="3532680" cy="1896840"/>
           </a:xfrm>
           <a:prstGeom prst="rect">
             <a:avLst/>
@@ -1886,8 +1887,8 @@
         </p:nvSpPr>
         <p:spPr>
           <a:xfrm>
-            <a:off x="8029800" y="1604520"/>
-            <a:ext cx="3533040" cy="1896840"/>
+            <a:off x="8028720" y="1604520"/>
+            <a:ext cx="3532680" cy="1896840"/>
           </a:xfrm>
           <a:prstGeom prst="rect">
             <a:avLst/>
@@ -1917,7 +1918,7 @@
         <p:spPr>
           <a:xfrm>
             <a:off x="609480" y="3682080"/>
-            <a:ext cx="3533040" cy="1896840"/>
+            <a:ext cx="3532680" cy="1896840"/>
           </a:xfrm>
           <a:prstGeom prst="rect">
             <a:avLst/>
@@ -1946,8 +1947,8 @@
         </p:nvSpPr>
         <p:spPr>
           <a:xfrm>
-            <a:off x="4319640" y="3682080"/>
-            <a:ext cx="3533040" cy="1896840"/>
+            <a:off x="4319280" y="3682080"/>
+            <a:ext cx="3532680" cy="1896840"/>
           </a:xfrm>
           <a:prstGeom prst="rect">
             <a:avLst/>
@@ -1976,19 +1977,374 @@
         </p:nvSpPr>
         <p:spPr>
           <a:xfrm>
-            <a:off x="8029800" y="3682080"/>
-            <a:ext cx="3533040" cy="1896840"/>
-          </a:xfrm>
-          <a:prstGeom prst="rect">
-            <a:avLst/>
-          </a:prstGeom>
-        </p:spPr>
-        <p:txBody>
-          <a:bodyPr lIns="0" rIns="0" tIns="0" bIns="0">
-            <a:normAutofit/>
-          </a:bodyPr>
-          <a:p>
-            <a:endParaRPr b="0" lang="en-GB" sz="3200" spc="-1" strike="noStrike">
+            <a:off x="8028720" y="3682080"/>
+            <a:ext cx="3532680" cy="1896840"/>
+          </a:xfrm>
+          <a:prstGeom prst="rect">
+            <a:avLst/>
+          </a:prstGeom>
+        </p:spPr>
+        <p:txBody>
+          <a:bodyPr lIns="0" rIns="0" tIns="0" bIns="0">
+            <a:normAutofit/>
+          </a:bodyPr>
+          <a:p>
+            <a:endParaRPr b="0" lang="en-GB" sz="3200" spc="-1" strike="noStrike">
+              <a:latin typeface="Arial"/>
+            </a:endParaRPr>
+          </a:p>
+        </p:txBody>
+      </p:sp>
+    </p:spTree>
+  </p:cSld>
+</p:sldLayout>
+</file>
+
+<file path=ppt/slideLayouts/slideLayout25.xml><?xml version="1.0" encoding="utf-8"?>
+<p:sldLayout xmlns:a="http://schemas.openxmlformats.org/drawingml/2006/main" xmlns:p="http://schemas.openxmlformats.org/presentationml/2006/main" xmlns:r="http://schemas.openxmlformats.org/officeDocument/2006/relationships" xmlns:p14="http://schemas.microsoft.com/office/powerpoint/2010/main" xmlns:p15="http://schemas.microsoft.com/office/powerpoint/2012/main" xmlns:mc="http://schemas.openxmlformats.org/markup-compatibility/2006" type="blank" preserve="1">
+  <p:cSld name="Blank Slide">
+    <p:spTree>
+      <p:nvGrpSpPr>
+        <p:cNvPr id="1" name=""/>
+        <p:cNvGrpSpPr/>
+        <p:nvPr/>
+      </p:nvGrpSpPr>
+      <p:grpSpPr>
+        <a:xfrm>
+          <a:off x="0" y="0"/>
+          <a:ext cx="0" cy="0"/>
+          <a:chOff x="0" y="0"/>
+          <a:chExt cx="0" cy="0"/>
+        </a:xfrm>
+      </p:grpSpPr>
+    </p:spTree>
+  </p:cSld>
+</p:sldLayout>
+</file>
+
+<file path=ppt/slideLayouts/slideLayout26.xml><?xml version="1.0" encoding="utf-8"?>
+<p:sldLayout xmlns:a="http://schemas.openxmlformats.org/drawingml/2006/main" xmlns:p="http://schemas.openxmlformats.org/presentationml/2006/main" xmlns:r="http://schemas.openxmlformats.org/officeDocument/2006/relationships" xmlns:p14="http://schemas.microsoft.com/office/powerpoint/2010/main" xmlns:p15="http://schemas.microsoft.com/office/powerpoint/2012/main" xmlns:mc="http://schemas.openxmlformats.org/markup-compatibility/2006" type="tx" preserve="1">
+  <p:cSld name="Title Slide">
+    <p:spTree>
+      <p:nvGrpSpPr>
+        <p:cNvPr id="1" name=""/>
+        <p:cNvGrpSpPr/>
+        <p:nvPr/>
+      </p:nvGrpSpPr>
+      <p:grpSpPr>
+        <a:xfrm>
+          <a:off x="0" y="0"/>
+          <a:ext cx="0" cy="0"/>
+          <a:chOff x="0" y="0"/>
+          <a:chExt cx="0" cy="0"/>
+        </a:xfrm>
+      </p:grpSpPr>
+      <p:sp>
+        <p:nvSpPr>
+          <p:cNvPr id="78" name="PlaceHolder 1"/>
+          <p:cNvSpPr>
+            <a:spLocks noGrp="1"/>
+          </p:cNvSpPr>
+          <p:nvPr>
+            <p:ph type="title"/>
+          </p:nvPr>
+        </p:nvSpPr>
+        <p:spPr>
+          <a:xfrm>
+            <a:off x="609480" y="273600"/>
+            <a:ext cx="10972080" cy="1144440"/>
+          </a:xfrm>
+          <a:prstGeom prst="rect">
+            <a:avLst/>
+          </a:prstGeom>
+        </p:spPr>
+        <p:txBody>
+          <a:bodyPr lIns="0" rIns="0" tIns="0" bIns="0" anchor="ctr">
+            <a:noAutofit/>
+          </a:bodyPr>
+          <a:p>
+            <a:pPr algn="ctr"/>
+            <a:endParaRPr b="0" lang="en-GB" sz="4400" spc="-1" strike="noStrike">
+              <a:latin typeface="Arial"/>
+            </a:endParaRPr>
+          </a:p>
+        </p:txBody>
+      </p:sp>
+      <p:sp>
+        <p:nvSpPr>
+          <p:cNvPr id="79" name="PlaceHolder 2"/>
+          <p:cNvSpPr>
+            <a:spLocks noGrp="1"/>
+          </p:cNvSpPr>
+          <p:nvPr>
+            <p:ph type="subTitle"/>
+          </p:nvPr>
+        </p:nvSpPr>
+        <p:spPr>
+          <a:xfrm>
+            <a:off x="609480" y="1604520"/>
+            <a:ext cx="10972080" cy="3976920"/>
+          </a:xfrm>
+          <a:prstGeom prst="rect">
+            <a:avLst/>
+          </a:prstGeom>
+        </p:spPr>
+        <p:txBody>
+          <a:bodyPr lIns="0" rIns="0" tIns="0" bIns="0" anchor="ctr">
+            <a:noAutofit/>
+          </a:bodyPr>
+          <a:p>
+            <a:pPr algn="ctr"/>
+            <a:endParaRPr b="0" lang="en-GB" sz="3200" spc="-1" strike="noStrike">
+              <a:latin typeface="Arial"/>
+            </a:endParaRPr>
+          </a:p>
+        </p:txBody>
+      </p:sp>
+    </p:spTree>
+  </p:cSld>
+</p:sldLayout>
+</file>
+
+<file path=ppt/slideLayouts/slideLayout27.xml><?xml version="1.0" encoding="utf-8"?>
+<p:sldLayout xmlns:a="http://schemas.openxmlformats.org/drawingml/2006/main" xmlns:p="http://schemas.openxmlformats.org/presentationml/2006/main" xmlns:r="http://schemas.openxmlformats.org/officeDocument/2006/relationships" xmlns:p14="http://schemas.microsoft.com/office/powerpoint/2010/main" xmlns:p15="http://schemas.microsoft.com/office/powerpoint/2012/main" xmlns:mc="http://schemas.openxmlformats.org/markup-compatibility/2006" type="obj" preserve="1">
+  <p:cSld name="Title, Content">
+    <p:spTree>
+      <p:nvGrpSpPr>
+        <p:cNvPr id="1" name=""/>
+        <p:cNvGrpSpPr/>
+        <p:nvPr/>
+      </p:nvGrpSpPr>
+      <p:grpSpPr>
+        <a:xfrm>
+          <a:off x="0" y="0"/>
+          <a:ext cx="0" cy="0"/>
+          <a:chOff x="0" y="0"/>
+          <a:chExt cx="0" cy="0"/>
+        </a:xfrm>
+      </p:grpSpPr>
+      <p:sp>
+        <p:nvSpPr>
+          <p:cNvPr id="80" name="PlaceHolder 1"/>
+          <p:cNvSpPr>
+            <a:spLocks noGrp="1"/>
+          </p:cNvSpPr>
+          <p:nvPr>
+            <p:ph type="title"/>
+          </p:nvPr>
+        </p:nvSpPr>
+        <p:spPr>
+          <a:xfrm>
+            <a:off x="609480" y="273600"/>
+            <a:ext cx="10972080" cy="1144440"/>
+          </a:xfrm>
+          <a:prstGeom prst="rect">
+            <a:avLst/>
+          </a:prstGeom>
+        </p:spPr>
+        <p:txBody>
+          <a:bodyPr lIns="0" rIns="0" tIns="0" bIns="0" anchor="ctr">
+            <a:noAutofit/>
+          </a:bodyPr>
+          <a:p>
+            <a:pPr algn="ctr"/>
+            <a:endParaRPr b="0" lang="en-GB" sz="4400" spc="-1" strike="noStrike">
+              <a:latin typeface="Arial"/>
+            </a:endParaRPr>
+          </a:p>
+        </p:txBody>
+      </p:sp>
+      <p:sp>
+        <p:nvSpPr>
+          <p:cNvPr id="81" name="PlaceHolder 2"/>
+          <p:cNvSpPr>
+            <a:spLocks noGrp="1"/>
+          </p:cNvSpPr>
+          <p:nvPr>
+            <p:ph type="body"/>
+          </p:nvPr>
+        </p:nvSpPr>
+        <p:spPr>
+          <a:xfrm>
+            <a:off x="609480" y="1604520"/>
+            <a:ext cx="10972080" cy="3976920"/>
+          </a:xfrm>
+          <a:prstGeom prst="rect">
+            <a:avLst/>
+          </a:prstGeom>
+        </p:spPr>
+        <p:txBody>
+          <a:bodyPr lIns="0" rIns="0" tIns="0" bIns="0">
+            <a:normAutofit/>
+          </a:bodyPr>
+          <a:p>
+            <a:endParaRPr b="0" lang="en-GB" sz="3200" spc="-1" strike="noStrike">
+              <a:latin typeface="Arial"/>
+            </a:endParaRPr>
+          </a:p>
+        </p:txBody>
+      </p:sp>
+    </p:spTree>
+  </p:cSld>
+</p:sldLayout>
+</file>
+
+<file path=ppt/slideLayouts/slideLayout28.xml><?xml version="1.0" encoding="utf-8"?>
+<p:sldLayout xmlns:a="http://schemas.openxmlformats.org/drawingml/2006/main" xmlns:p="http://schemas.openxmlformats.org/presentationml/2006/main" xmlns:r="http://schemas.openxmlformats.org/officeDocument/2006/relationships" xmlns:p14="http://schemas.microsoft.com/office/powerpoint/2010/main" xmlns:p15="http://schemas.microsoft.com/office/powerpoint/2012/main" xmlns:mc="http://schemas.openxmlformats.org/markup-compatibility/2006" type="twoObj" preserve="1">
+  <p:cSld name="Title, 2 Content">
+    <p:spTree>
+      <p:nvGrpSpPr>
+        <p:cNvPr id="1" name=""/>
+        <p:cNvGrpSpPr/>
+        <p:nvPr/>
+      </p:nvGrpSpPr>
+      <p:grpSpPr>
+        <a:xfrm>
+          <a:off x="0" y="0"/>
+          <a:ext cx="0" cy="0"/>
+          <a:chOff x="0" y="0"/>
+          <a:chExt cx="0" cy="0"/>
+        </a:xfrm>
+      </p:grpSpPr>
+      <p:sp>
+        <p:nvSpPr>
+          <p:cNvPr id="82" name="PlaceHolder 1"/>
+          <p:cNvSpPr>
+            <a:spLocks noGrp="1"/>
+          </p:cNvSpPr>
+          <p:nvPr>
+            <p:ph type="title"/>
+          </p:nvPr>
+        </p:nvSpPr>
+        <p:spPr>
+          <a:xfrm>
+            <a:off x="609480" y="273600"/>
+            <a:ext cx="10972080" cy="1144440"/>
+          </a:xfrm>
+          <a:prstGeom prst="rect">
+            <a:avLst/>
+          </a:prstGeom>
+        </p:spPr>
+        <p:txBody>
+          <a:bodyPr lIns="0" rIns="0" tIns="0" bIns="0" anchor="ctr">
+            <a:noAutofit/>
+          </a:bodyPr>
+          <a:p>
+            <a:pPr algn="ctr"/>
+            <a:endParaRPr b="0" lang="en-GB" sz="4400" spc="-1" strike="noStrike">
+              <a:latin typeface="Arial"/>
+            </a:endParaRPr>
+          </a:p>
+        </p:txBody>
+      </p:sp>
+      <p:sp>
+        <p:nvSpPr>
+          <p:cNvPr id="83" name="PlaceHolder 2"/>
+          <p:cNvSpPr>
+            <a:spLocks noGrp="1"/>
+          </p:cNvSpPr>
+          <p:nvPr>
+            <p:ph type="body"/>
+          </p:nvPr>
+        </p:nvSpPr>
+        <p:spPr>
+          <a:xfrm>
+            <a:off x="609480" y="1604520"/>
+            <a:ext cx="5354280" cy="3976920"/>
+          </a:xfrm>
+          <a:prstGeom prst="rect">
+            <a:avLst/>
+          </a:prstGeom>
+        </p:spPr>
+        <p:txBody>
+          <a:bodyPr lIns="0" rIns="0" tIns="0" bIns="0">
+            <a:normAutofit/>
+          </a:bodyPr>
+          <a:p>
+            <a:endParaRPr b="0" lang="en-GB" sz="3200" spc="-1" strike="noStrike">
+              <a:latin typeface="Arial"/>
+            </a:endParaRPr>
+          </a:p>
+        </p:txBody>
+      </p:sp>
+      <p:sp>
+        <p:nvSpPr>
+          <p:cNvPr id="84" name="PlaceHolder 3"/>
+          <p:cNvSpPr>
+            <a:spLocks noGrp="1"/>
+          </p:cNvSpPr>
+          <p:nvPr>
+            <p:ph type="body"/>
+          </p:nvPr>
+        </p:nvSpPr>
+        <p:spPr>
+          <a:xfrm>
+            <a:off x="6231960" y="1604520"/>
+            <a:ext cx="5354280" cy="3976920"/>
+          </a:xfrm>
+          <a:prstGeom prst="rect">
+            <a:avLst/>
+          </a:prstGeom>
+        </p:spPr>
+        <p:txBody>
+          <a:bodyPr lIns="0" rIns="0" tIns="0" bIns="0">
+            <a:normAutofit/>
+          </a:bodyPr>
+          <a:p>
+            <a:endParaRPr b="0" lang="en-GB" sz="3200" spc="-1" strike="noStrike">
+              <a:latin typeface="Arial"/>
+            </a:endParaRPr>
+          </a:p>
+        </p:txBody>
+      </p:sp>
+    </p:spTree>
+  </p:cSld>
+</p:sldLayout>
+</file>
+
+<file path=ppt/slideLayouts/slideLayout29.xml><?xml version="1.0" encoding="utf-8"?>
+<p:sldLayout xmlns:a="http://schemas.openxmlformats.org/drawingml/2006/main" xmlns:p="http://schemas.openxmlformats.org/presentationml/2006/main" xmlns:r="http://schemas.openxmlformats.org/officeDocument/2006/relationships" xmlns:p14="http://schemas.microsoft.com/office/powerpoint/2010/main" xmlns:p15="http://schemas.microsoft.com/office/powerpoint/2012/main" xmlns:mc="http://schemas.openxmlformats.org/markup-compatibility/2006" type="titleOnly" preserve="1">
+  <p:cSld name="Title Only">
+    <p:spTree>
+      <p:nvGrpSpPr>
+        <p:cNvPr id="1" name=""/>
+        <p:cNvGrpSpPr/>
+        <p:nvPr/>
+      </p:nvGrpSpPr>
+      <p:grpSpPr>
+        <a:xfrm>
+          <a:off x="0" y="0"/>
+          <a:ext cx="0" cy="0"/>
+          <a:chOff x="0" y="0"/>
+          <a:chExt cx="0" cy="0"/>
+        </a:xfrm>
+      </p:grpSpPr>
+      <p:sp>
+        <p:nvSpPr>
+          <p:cNvPr id="85" name="PlaceHolder 1"/>
+          <p:cNvSpPr>
+            <a:spLocks noGrp="1"/>
+          </p:cNvSpPr>
+          <p:nvPr>
+            <p:ph type="title"/>
+          </p:nvPr>
+        </p:nvSpPr>
+        <p:spPr>
+          <a:xfrm>
+            <a:off x="609480" y="273600"/>
+            <a:ext cx="10972080" cy="1144440"/>
+          </a:xfrm>
+          <a:prstGeom prst="rect">
+            <a:avLst/>
+          </a:prstGeom>
+        </p:spPr>
+        <p:txBody>
+          <a:bodyPr lIns="0" rIns="0" tIns="0" bIns="0" anchor="ctr">
+            <a:noAutofit/>
+          </a:bodyPr>
+          <a:p>
+            <a:pPr algn="ctr"/>
+            <a:endParaRPr b="0" lang="en-GB" sz="4400" spc="-1" strike="noStrike">
               <a:latin typeface="Arial"/>
             </a:endParaRPr>
           </a:p>
@@ -2029,7 +2385,7 @@
         <p:spPr>
           <a:xfrm>
             <a:off x="609480" y="273600"/>
-            <a:ext cx="10972440" cy="1144800"/>
+            <a:ext cx="10972080" cy="1144440"/>
           </a:xfrm>
           <a:prstGeom prst="rect">
             <a:avLst/>
@@ -2060,7 +2416,1008 @@
         <p:spPr>
           <a:xfrm>
             <a:off x="609480" y="1604520"/>
-            <a:ext cx="10972440" cy="3977280"/>
+            <a:ext cx="10972080" cy="3976920"/>
+          </a:xfrm>
+          <a:prstGeom prst="rect">
+            <a:avLst/>
+          </a:prstGeom>
+        </p:spPr>
+        <p:txBody>
+          <a:bodyPr lIns="0" rIns="0" tIns="0" bIns="0">
+            <a:normAutofit/>
+          </a:bodyPr>
+          <a:p>
+            <a:endParaRPr b="0" lang="en-GB" sz="3200" spc="-1" strike="noStrike">
+              <a:latin typeface="Arial"/>
+            </a:endParaRPr>
+          </a:p>
+        </p:txBody>
+      </p:sp>
+    </p:spTree>
+  </p:cSld>
+</p:sldLayout>
+</file>
+
+<file path=ppt/slideLayouts/slideLayout30.xml><?xml version="1.0" encoding="utf-8"?>
+<p:sldLayout xmlns:a="http://schemas.openxmlformats.org/drawingml/2006/main" xmlns:p="http://schemas.openxmlformats.org/presentationml/2006/main" xmlns:r="http://schemas.openxmlformats.org/officeDocument/2006/relationships" xmlns:p14="http://schemas.microsoft.com/office/powerpoint/2010/main" xmlns:p15="http://schemas.microsoft.com/office/powerpoint/2012/main" xmlns:mc="http://schemas.openxmlformats.org/markup-compatibility/2006" type="objOnly" preserve="1">
+  <p:cSld name="Centered Text">
+    <p:spTree>
+      <p:nvGrpSpPr>
+        <p:cNvPr id="1" name=""/>
+        <p:cNvGrpSpPr/>
+        <p:nvPr/>
+      </p:nvGrpSpPr>
+      <p:grpSpPr>
+        <a:xfrm>
+          <a:off x="0" y="0"/>
+          <a:ext cx="0" cy="0"/>
+          <a:chOff x="0" y="0"/>
+          <a:chExt cx="0" cy="0"/>
+        </a:xfrm>
+      </p:grpSpPr>
+      <p:sp>
+        <p:nvSpPr>
+          <p:cNvPr id="86" name="PlaceHolder 1"/>
+          <p:cNvSpPr>
+            <a:spLocks noGrp="1"/>
+          </p:cNvSpPr>
+          <p:nvPr>
+            <p:ph type="subTitle"/>
+          </p:nvPr>
+        </p:nvSpPr>
+        <p:spPr>
+          <a:xfrm>
+            <a:off x="609480" y="273600"/>
+            <a:ext cx="10972080" cy="5306400"/>
+          </a:xfrm>
+          <a:prstGeom prst="rect">
+            <a:avLst/>
+          </a:prstGeom>
+        </p:spPr>
+        <p:txBody>
+          <a:bodyPr lIns="0" rIns="0" tIns="0" bIns="0" anchor="ctr">
+            <a:noAutofit/>
+          </a:bodyPr>
+          <a:p>
+            <a:pPr algn="ctr"/>
+            <a:endParaRPr b="0" lang="en-GB" sz="3200" spc="-1" strike="noStrike">
+              <a:latin typeface="Arial"/>
+            </a:endParaRPr>
+          </a:p>
+        </p:txBody>
+      </p:sp>
+    </p:spTree>
+  </p:cSld>
+</p:sldLayout>
+</file>
+
+<file path=ppt/slideLayouts/slideLayout31.xml><?xml version="1.0" encoding="utf-8"?>
+<p:sldLayout xmlns:a="http://schemas.openxmlformats.org/drawingml/2006/main" xmlns:p="http://schemas.openxmlformats.org/presentationml/2006/main" xmlns:r="http://schemas.openxmlformats.org/officeDocument/2006/relationships" xmlns:p14="http://schemas.microsoft.com/office/powerpoint/2010/main" xmlns:p15="http://schemas.microsoft.com/office/powerpoint/2012/main" xmlns:mc="http://schemas.openxmlformats.org/markup-compatibility/2006" type="twoObjAndObj" preserve="1">
+  <p:cSld name="Title, 2 Content and Content">
+    <p:spTree>
+      <p:nvGrpSpPr>
+        <p:cNvPr id="1" name=""/>
+        <p:cNvGrpSpPr/>
+        <p:nvPr/>
+      </p:nvGrpSpPr>
+      <p:grpSpPr>
+        <a:xfrm>
+          <a:off x="0" y="0"/>
+          <a:ext cx="0" cy="0"/>
+          <a:chOff x="0" y="0"/>
+          <a:chExt cx="0" cy="0"/>
+        </a:xfrm>
+      </p:grpSpPr>
+      <p:sp>
+        <p:nvSpPr>
+          <p:cNvPr id="87" name="PlaceHolder 1"/>
+          <p:cNvSpPr>
+            <a:spLocks noGrp="1"/>
+          </p:cNvSpPr>
+          <p:nvPr>
+            <p:ph type="title"/>
+          </p:nvPr>
+        </p:nvSpPr>
+        <p:spPr>
+          <a:xfrm>
+            <a:off x="609480" y="273600"/>
+            <a:ext cx="10972080" cy="1144440"/>
+          </a:xfrm>
+          <a:prstGeom prst="rect">
+            <a:avLst/>
+          </a:prstGeom>
+        </p:spPr>
+        <p:txBody>
+          <a:bodyPr lIns="0" rIns="0" tIns="0" bIns="0" anchor="ctr">
+            <a:noAutofit/>
+          </a:bodyPr>
+          <a:p>
+            <a:pPr algn="ctr"/>
+            <a:endParaRPr b="0" lang="en-GB" sz="4400" spc="-1" strike="noStrike">
+              <a:latin typeface="Arial"/>
+            </a:endParaRPr>
+          </a:p>
+        </p:txBody>
+      </p:sp>
+      <p:sp>
+        <p:nvSpPr>
+          <p:cNvPr id="88" name="PlaceHolder 2"/>
+          <p:cNvSpPr>
+            <a:spLocks noGrp="1"/>
+          </p:cNvSpPr>
+          <p:nvPr>
+            <p:ph type="body"/>
+          </p:nvPr>
+        </p:nvSpPr>
+        <p:spPr>
+          <a:xfrm>
+            <a:off x="609480" y="1604520"/>
+            <a:ext cx="5354280" cy="1896840"/>
+          </a:xfrm>
+          <a:prstGeom prst="rect">
+            <a:avLst/>
+          </a:prstGeom>
+        </p:spPr>
+        <p:txBody>
+          <a:bodyPr lIns="0" rIns="0" tIns="0" bIns="0">
+            <a:normAutofit/>
+          </a:bodyPr>
+          <a:p>
+            <a:endParaRPr b="0" lang="en-GB" sz="3200" spc="-1" strike="noStrike">
+              <a:latin typeface="Arial"/>
+            </a:endParaRPr>
+          </a:p>
+        </p:txBody>
+      </p:sp>
+      <p:sp>
+        <p:nvSpPr>
+          <p:cNvPr id="89" name="PlaceHolder 3"/>
+          <p:cNvSpPr>
+            <a:spLocks noGrp="1"/>
+          </p:cNvSpPr>
+          <p:nvPr>
+            <p:ph type="body"/>
+          </p:nvPr>
+        </p:nvSpPr>
+        <p:spPr>
+          <a:xfrm>
+            <a:off x="6231960" y="1604520"/>
+            <a:ext cx="5354280" cy="3976920"/>
+          </a:xfrm>
+          <a:prstGeom prst="rect">
+            <a:avLst/>
+          </a:prstGeom>
+        </p:spPr>
+        <p:txBody>
+          <a:bodyPr lIns="0" rIns="0" tIns="0" bIns="0">
+            <a:normAutofit/>
+          </a:bodyPr>
+          <a:p>
+            <a:endParaRPr b="0" lang="en-GB" sz="3200" spc="-1" strike="noStrike">
+              <a:latin typeface="Arial"/>
+            </a:endParaRPr>
+          </a:p>
+        </p:txBody>
+      </p:sp>
+      <p:sp>
+        <p:nvSpPr>
+          <p:cNvPr id="90" name="PlaceHolder 4"/>
+          <p:cNvSpPr>
+            <a:spLocks noGrp="1"/>
+          </p:cNvSpPr>
+          <p:nvPr>
+            <p:ph type="body"/>
+          </p:nvPr>
+        </p:nvSpPr>
+        <p:spPr>
+          <a:xfrm>
+            <a:off x="609480" y="3682080"/>
+            <a:ext cx="5354280" cy="1896840"/>
+          </a:xfrm>
+          <a:prstGeom prst="rect">
+            <a:avLst/>
+          </a:prstGeom>
+        </p:spPr>
+        <p:txBody>
+          <a:bodyPr lIns="0" rIns="0" tIns="0" bIns="0">
+            <a:normAutofit/>
+          </a:bodyPr>
+          <a:p>
+            <a:endParaRPr b="0" lang="en-GB" sz="3200" spc="-1" strike="noStrike">
+              <a:latin typeface="Arial"/>
+            </a:endParaRPr>
+          </a:p>
+        </p:txBody>
+      </p:sp>
+    </p:spTree>
+  </p:cSld>
+</p:sldLayout>
+</file>
+
+<file path=ppt/slideLayouts/slideLayout32.xml><?xml version="1.0" encoding="utf-8"?>
+<p:sldLayout xmlns:a="http://schemas.openxmlformats.org/drawingml/2006/main" xmlns:p="http://schemas.openxmlformats.org/presentationml/2006/main" xmlns:r="http://schemas.openxmlformats.org/officeDocument/2006/relationships" xmlns:p14="http://schemas.microsoft.com/office/powerpoint/2010/main" xmlns:p15="http://schemas.microsoft.com/office/powerpoint/2012/main" xmlns:mc="http://schemas.openxmlformats.org/markup-compatibility/2006" type="objAndTwoObj" preserve="1">
+  <p:cSld name="Title Content and 2 Content">
+    <p:spTree>
+      <p:nvGrpSpPr>
+        <p:cNvPr id="1" name=""/>
+        <p:cNvGrpSpPr/>
+        <p:nvPr/>
+      </p:nvGrpSpPr>
+      <p:grpSpPr>
+        <a:xfrm>
+          <a:off x="0" y="0"/>
+          <a:ext cx="0" cy="0"/>
+          <a:chOff x="0" y="0"/>
+          <a:chExt cx="0" cy="0"/>
+        </a:xfrm>
+      </p:grpSpPr>
+      <p:sp>
+        <p:nvSpPr>
+          <p:cNvPr id="91" name="PlaceHolder 1"/>
+          <p:cNvSpPr>
+            <a:spLocks noGrp="1"/>
+          </p:cNvSpPr>
+          <p:nvPr>
+            <p:ph type="title"/>
+          </p:nvPr>
+        </p:nvSpPr>
+        <p:spPr>
+          <a:xfrm>
+            <a:off x="609480" y="273600"/>
+            <a:ext cx="10972080" cy="1144440"/>
+          </a:xfrm>
+          <a:prstGeom prst="rect">
+            <a:avLst/>
+          </a:prstGeom>
+        </p:spPr>
+        <p:txBody>
+          <a:bodyPr lIns="0" rIns="0" tIns="0" bIns="0" anchor="ctr">
+            <a:noAutofit/>
+          </a:bodyPr>
+          <a:p>
+            <a:pPr algn="ctr"/>
+            <a:endParaRPr b="0" lang="en-GB" sz="4400" spc="-1" strike="noStrike">
+              <a:latin typeface="Arial"/>
+            </a:endParaRPr>
+          </a:p>
+        </p:txBody>
+      </p:sp>
+      <p:sp>
+        <p:nvSpPr>
+          <p:cNvPr id="92" name="PlaceHolder 2"/>
+          <p:cNvSpPr>
+            <a:spLocks noGrp="1"/>
+          </p:cNvSpPr>
+          <p:nvPr>
+            <p:ph type="body"/>
+          </p:nvPr>
+        </p:nvSpPr>
+        <p:spPr>
+          <a:xfrm>
+            <a:off x="609480" y="1604520"/>
+            <a:ext cx="5354280" cy="3976920"/>
+          </a:xfrm>
+          <a:prstGeom prst="rect">
+            <a:avLst/>
+          </a:prstGeom>
+        </p:spPr>
+        <p:txBody>
+          <a:bodyPr lIns="0" rIns="0" tIns="0" bIns="0">
+            <a:normAutofit/>
+          </a:bodyPr>
+          <a:p>
+            <a:endParaRPr b="0" lang="en-GB" sz="3200" spc="-1" strike="noStrike">
+              <a:latin typeface="Arial"/>
+            </a:endParaRPr>
+          </a:p>
+        </p:txBody>
+      </p:sp>
+      <p:sp>
+        <p:nvSpPr>
+          <p:cNvPr id="93" name="PlaceHolder 3"/>
+          <p:cNvSpPr>
+            <a:spLocks noGrp="1"/>
+          </p:cNvSpPr>
+          <p:nvPr>
+            <p:ph type="body"/>
+          </p:nvPr>
+        </p:nvSpPr>
+        <p:spPr>
+          <a:xfrm>
+            <a:off x="6231960" y="1604520"/>
+            <a:ext cx="5354280" cy="1896840"/>
+          </a:xfrm>
+          <a:prstGeom prst="rect">
+            <a:avLst/>
+          </a:prstGeom>
+        </p:spPr>
+        <p:txBody>
+          <a:bodyPr lIns="0" rIns="0" tIns="0" bIns="0">
+            <a:normAutofit/>
+          </a:bodyPr>
+          <a:p>
+            <a:endParaRPr b="0" lang="en-GB" sz="3200" spc="-1" strike="noStrike">
+              <a:latin typeface="Arial"/>
+            </a:endParaRPr>
+          </a:p>
+        </p:txBody>
+      </p:sp>
+      <p:sp>
+        <p:nvSpPr>
+          <p:cNvPr id="94" name="PlaceHolder 4"/>
+          <p:cNvSpPr>
+            <a:spLocks noGrp="1"/>
+          </p:cNvSpPr>
+          <p:nvPr>
+            <p:ph type="body"/>
+          </p:nvPr>
+        </p:nvSpPr>
+        <p:spPr>
+          <a:xfrm>
+            <a:off x="6231960" y="3682080"/>
+            <a:ext cx="5354280" cy="1896840"/>
+          </a:xfrm>
+          <a:prstGeom prst="rect">
+            <a:avLst/>
+          </a:prstGeom>
+        </p:spPr>
+        <p:txBody>
+          <a:bodyPr lIns="0" rIns="0" tIns="0" bIns="0">
+            <a:normAutofit/>
+          </a:bodyPr>
+          <a:p>
+            <a:endParaRPr b="0" lang="en-GB" sz="3200" spc="-1" strike="noStrike">
+              <a:latin typeface="Arial"/>
+            </a:endParaRPr>
+          </a:p>
+        </p:txBody>
+      </p:sp>
+    </p:spTree>
+  </p:cSld>
+</p:sldLayout>
+</file>
+
+<file path=ppt/slideLayouts/slideLayout33.xml><?xml version="1.0" encoding="utf-8"?>
+<p:sldLayout xmlns:a="http://schemas.openxmlformats.org/drawingml/2006/main" xmlns:p="http://schemas.openxmlformats.org/presentationml/2006/main" xmlns:r="http://schemas.openxmlformats.org/officeDocument/2006/relationships" xmlns:p14="http://schemas.microsoft.com/office/powerpoint/2010/main" xmlns:p15="http://schemas.microsoft.com/office/powerpoint/2012/main" xmlns:mc="http://schemas.openxmlformats.org/markup-compatibility/2006" type="twoObjOverTx" preserve="1">
+  <p:cSld name="Title, 2 Content over Content">
+    <p:spTree>
+      <p:nvGrpSpPr>
+        <p:cNvPr id="1" name=""/>
+        <p:cNvGrpSpPr/>
+        <p:nvPr/>
+      </p:nvGrpSpPr>
+      <p:grpSpPr>
+        <a:xfrm>
+          <a:off x="0" y="0"/>
+          <a:ext cx="0" cy="0"/>
+          <a:chOff x="0" y="0"/>
+          <a:chExt cx="0" cy="0"/>
+        </a:xfrm>
+      </p:grpSpPr>
+      <p:sp>
+        <p:nvSpPr>
+          <p:cNvPr id="95" name="PlaceHolder 1"/>
+          <p:cNvSpPr>
+            <a:spLocks noGrp="1"/>
+          </p:cNvSpPr>
+          <p:nvPr>
+            <p:ph type="title"/>
+          </p:nvPr>
+        </p:nvSpPr>
+        <p:spPr>
+          <a:xfrm>
+            <a:off x="609480" y="273600"/>
+            <a:ext cx="10972080" cy="1144440"/>
+          </a:xfrm>
+          <a:prstGeom prst="rect">
+            <a:avLst/>
+          </a:prstGeom>
+        </p:spPr>
+        <p:txBody>
+          <a:bodyPr lIns="0" rIns="0" tIns="0" bIns="0" anchor="ctr">
+            <a:noAutofit/>
+          </a:bodyPr>
+          <a:p>
+            <a:pPr algn="ctr"/>
+            <a:endParaRPr b="0" lang="en-GB" sz="4400" spc="-1" strike="noStrike">
+              <a:latin typeface="Arial"/>
+            </a:endParaRPr>
+          </a:p>
+        </p:txBody>
+      </p:sp>
+      <p:sp>
+        <p:nvSpPr>
+          <p:cNvPr id="96" name="PlaceHolder 2"/>
+          <p:cNvSpPr>
+            <a:spLocks noGrp="1"/>
+          </p:cNvSpPr>
+          <p:nvPr>
+            <p:ph type="body"/>
+          </p:nvPr>
+        </p:nvSpPr>
+        <p:spPr>
+          <a:xfrm>
+            <a:off x="609480" y="1604520"/>
+            <a:ext cx="5354280" cy="1896840"/>
+          </a:xfrm>
+          <a:prstGeom prst="rect">
+            <a:avLst/>
+          </a:prstGeom>
+        </p:spPr>
+        <p:txBody>
+          <a:bodyPr lIns="0" rIns="0" tIns="0" bIns="0">
+            <a:normAutofit/>
+          </a:bodyPr>
+          <a:p>
+            <a:endParaRPr b="0" lang="en-GB" sz="3200" spc="-1" strike="noStrike">
+              <a:latin typeface="Arial"/>
+            </a:endParaRPr>
+          </a:p>
+        </p:txBody>
+      </p:sp>
+      <p:sp>
+        <p:nvSpPr>
+          <p:cNvPr id="97" name="PlaceHolder 3"/>
+          <p:cNvSpPr>
+            <a:spLocks noGrp="1"/>
+          </p:cNvSpPr>
+          <p:nvPr>
+            <p:ph type="body"/>
+          </p:nvPr>
+        </p:nvSpPr>
+        <p:spPr>
+          <a:xfrm>
+            <a:off x="6231960" y="1604520"/>
+            <a:ext cx="5354280" cy="1896840"/>
+          </a:xfrm>
+          <a:prstGeom prst="rect">
+            <a:avLst/>
+          </a:prstGeom>
+        </p:spPr>
+        <p:txBody>
+          <a:bodyPr lIns="0" rIns="0" tIns="0" bIns="0">
+            <a:normAutofit/>
+          </a:bodyPr>
+          <a:p>
+            <a:endParaRPr b="0" lang="en-GB" sz="3200" spc="-1" strike="noStrike">
+              <a:latin typeface="Arial"/>
+            </a:endParaRPr>
+          </a:p>
+        </p:txBody>
+      </p:sp>
+      <p:sp>
+        <p:nvSpPr>
+          <p:cNvPr id="98" name="PlaceHolder 4"/>
+          <p:cNvSpPr>
+            <a:spLocks noGrp="1"/>
+          </p:cNvSpPr>
+          <p:nvPr>
+            <p:ph type="body"/>
+          </p:nvPr>
+        </p:nvSpPr>
+        <p:spPr>
+          <a:xfrm>
+            <a:off x="609480" y="3682080"/>
+            <a:ext cx="10972080" cy="1896840"/>
+          </a:xfrm>
+          <a:prstGeom prst="rect">
+            <a:avLst/>
+          </a:prstGeom>
+        </p:spPr>
+        <p:txBody>
+          <a:bodyPr lIns="0" rIns="0" tIns="0" bIns="0">
+            <a:normAutofit/>
+          </a:bodyPr>
+          <a:p>
+            <a:endParaRPr b="0" lang="en-GB" sz="3200" spc="-1" strike="noStrike">
+              <a:latin typeface="Arial"/>
+            </a:endParaRPr>
+          </a:p>
+        </p:txBody>
+      </p:sp>
+    </p:spTree>
+  </p:cSld>
+</p:sldLayout>
+</file>
+
+<file path=ppt/slideLayouts/slideLayout34.xml><?xml version="1.0" encoding="utf-8"?>
+<p:sldLayout xmlns:a="http://schemas.openxmlformats.org/drawingml/2006/main" xmlns:p="http://schemas.openxmlformats.org/presentationml/2006/main" xmlns:r="http://schemas.openxmlformats.org/officeDocument/2006/relationships" xmlns:p14="http://schemas.microsoft.com/office/powerpoint/2010/main" xmlns:p15="http://schemas.microsoft.com/office/powerpoint/2012/main" xmlns:mc="http://schemas.openxmlformats.org/markup-compatibility/2006" type="objOverTx" preserve="1">
+  <p:cSld name="Title, Content over Content">
+    <p:spTree>
+      <p:nvGrpSpPr>
+        <p:cNvPr id="1" name=""/>
+        <p:cNvGrpSpPr/>
+        <p:nvPr/>
+      </p:nvGrpSpPr>
+      <p:grpSpPr>
+        <a:xfrm>
+          <a:off x="0" y="0"/>
+          <a:ext cx="0" cy="0"/>
+          <a:chOff x="0" y="0"/>
+          <a:chExt cx="0" cy="0"/>
+        </a:xfrm>
+      </p:grpSpPr>
+      <p:sp>
+        <p:nvSpPr>
+          <p:cNvPr id="99" name="PlaceHolder 1"/>
+          <p:cNvSpPr>
+            <a:spLocks noGrp="1"/>
+          </p:cNvSpPr>
+          <p:nvPr>
+            <p:ph type="title"/>
+          </p:nvPr>
+        </p:nvSpPr>
+        <p:spPr>
+          <a:xfrm>
+            <a:off x="609480" y="273600"/>
+            <a:ext cx="10972080" cy="1144440"/>
+          </a:xfrm>
+          <a:prstGeom prst="rect">
+            <a:avLst/>
+          </a:prstGeom>
+        </p:spPr>
+        <p:txBody>
+          <a:bodyPr lIns="0" rIns="0" tIns="0" bIns="0" anchor="ctr">
+            <a:noAutofit/>
+          </a:bodyPr>
+          <a:p>
+            <a:pPr algn="ctr"/>
+            <a:endParaRPr b="0" lang="en-GB" sz="4400" spc="-1" strike="noStrike">
+              <a:latin typeface="Arial"/>
+            </a:endParaRPr>
+          </a:p>
+        </p:txBody>
+      </p:sp>
+      <p:sp>
+        <p:nvSpPr>
+          <p:cNvPr id="100" name="PlaceHolder 2"/>
+          <p:cNvSpPr>
+            <a:spLocks noGrp="1"/>
+          </p:cNvSpPr>
+          <p:nvPr>
+            <p:ph type="body"/>
+          </p:nvPr>
+        </p:nvSpPr>
+        <p:spPr>
+          <a:xfrm>
+            <a:off x="609480" y="1604520"/>
+            <a:ext cx="10972080" cy="1896840"/>
+          </a:xfrm>
+          <a:prstGeom prst="rect">
+            <a:avLst/>
+          </a:prstGeom>
+        </p:spPr>
+        <p:txBody>
+          <a:bodyPr lIns="0" rIns="0" tIns="0" bIns="0">
+            <a:normAutofit/>
+          </a:bodyPr>
+          <a:p>
+            <a:endParaRPr b="0" lang="en-GB" sz="3200" spc="-1" strike="noStrike">
+              <a:latin typeface="Arial"/>
+            </a:endParaRPr>
+          </a:p>
+        </p:txBody>
+      </p:sp>
+      <p:sp>
+        <p:nvSpPr>
+          <p:cNvPr id="101" name="PlaceHolder 3"/>
+          <p:cNvSpPr>
+            <a:spLocks noGrp="1"/>
+          </p:cNvSpPr>
+          <p:nvPr>
+            <p:ph type="body"/>
+          </p:nvPr>
+        </p:nvSpPr>
+        <p:spPr>
+          <a:xfrm>
+            <a:off x="609480" y="3682080"/>
+            <a:ext cx="10972080" cy="1896840"/>
+          </a:xfrm>
+          <a:prstGeom prst="rect">
+            <a:avLst/>
+          </a:prstGeom>
+        </p:spPr>
+        <p:txBody>
+          <a:bodyPr lIns="0" rIns="0" tIns="0" bIns="0">
+            <a:normAutofit/>
+          </a:bodyPr>
+          <a:p>
+            <a:endParaRPr b="0" lang="en-GB" sz="3200" spc="-1" strike="noStrike">
+              <a:latin typeface="Arial"/>
+            </a:endParaRPr>
+          </a:p>
+        </p:txBody>
+      </p:sp>
+    </p:spTree>
+  </p:cSld>
+</p:sldLayout>
+</file>
+
+<file path=ppt/slideLayouts/slideLayout35.xml><?xml version="1.0" encoding="utf-8"?>
+<p:sldLayout xmlns:a="http://schemas.openxmlformats.org/drawingml/2006/main" xmlns:p="http://schemas.openxmlformats.org/presentationml/2006/main" xmlns:r="http://schemas.openxmlformats.org/officeDocument/2006/relationships" xmlns:p14="http://schemas.microsoft.com/office/powerpoint/2010/main" xmlns:p15="http://schemas.microsoft.com/office/powerpoint/2012/main" xmlns:mc="http://schemas.openxmlformats.org/markup-compatibility/2006" type="fourObj" preserve="1">
+  <p:cSld name="Title, 4 Content">
+    <p:spTree>
+      <p:nvGrpSpPr>
+        <p:cNvPr id="1" name=""/>
+        <p:cNvGrpSpPr/>
+        <p:nvPr/>
+      </p:nvGrpSpPr>
+      <p:grpSpPr>
+        <a:xfrm>
+          <a:off x="0" y="0"/>
+          <a:ext cx="0" cy="0"/>
+          <a:chOff x="0" y="0"/>
+          <a:chExt cx="0" cy="0"/>
+        </a:xfrm>
+      </p:grpSpPr>
+      <p:sp>
+        <p:nvSpPr>
+          <p:cNvPr id="102" name="PlaceHolder 1"/>
+          <p:cNvSpPr>
+            <a:spLocks noGrp="1"/>
+          </p:cNvSpPr>
+          <p:nvPr>
+            <p:ph type="title"/>
+          </p:nvPr>
+        </p:nvSpPr>
+        <p:spPr>
+          <a:xfrm>
+            <a:off x="609480" y="273600"/>
+            <a:ext cx="10972080" cy="1144440"/>
+          </a:xfrm>
+          <a:prstGeom prst="rect">
+            <a:avLst/>
+          </a:prstGeom>
+        </p:spPr>
+        <p:txBody>
+          <a:bodyPr lIns="0" rIns="0" tIns="0" bIns="0" anchor="ctr">
+            <a:noAutofit/>
+          </a:bodyPr>
+          <a:p>
+            <a:pPr algn="ctr"/>
+            <a:endParaRPr b="0" lang="en-GB" sz="4400" spc="-1" strike="noStrike">
+              <a:latin typeface="Arial"/>
+            </a:endParaRPr>
+          </a:p>
+        </p:txBody>
+      </p:sp>
+      <p:sp>
+        <p:nvSpPr>
+          <p:cNvPr id="103" name="PlaceHolder 2"/>
+          <p:cNvSpPr>
+            <a:spLocks noGrp="1"/>
+          </p:cNvSpPr>
+          <p:nvPr>
+            <p:ph type="body"/>
+          </p:nvPr>
+        </p:nvSpPr>
+        <p:spPr>
+          <a:xfrm>
+            <a:off x="609480" y="1604520"/>
+            <a:ext cx="5354280" cy="1896840"/>
+          </a:xfrm>
+          <a:prstGeom prst="rect">
+            <a:avLst/>
+          </a:prstGeom>
+        </p:spPr>
+        <p:txBody>
+          <a:bodyPr lIns="0" rIns="0" tIns="0" bIns="0">
+            <a:normAutofit/>
+          </a:bodyPr>
+          <a:p>
+            <a:endParaRPr b="0" lang="en-GB" sz="3200" spc="-1" strike="noStrike">
+              <a:latin typeface="Arial"/>
+            </a:endParaRPr>
+          </a:p>
+        </p:txBody>
+      </p:sp>
+      <p:sp>
+        <p:nvSpPr>
+          <p:cNvPr id="104" name="PlaceHolder 3"/>
+          <p:cNvSpPr>
+            <a:spLocks noGrp="1"/>
+          </p:cNvSpPr>
+          <p:nvPr>
+            <p:ph type="body"/>
+          </p:nvPr>
+        </p:nvSpPr>
+        <p:spPr>
+          <a:xfrm>
+            <a:off x="6231960" y="1604520"/>
+            <a:ext cx="5354280" cy="1896840"/>
+          </a:xfrm>
+          <a:prstGeom prst="rect">
+            <a:avLst/>
+          </a:prstGeom>
+        </p:spPr>
+        <p:txBody>
+          <a:bodyPr lIns="0" rIns="0" tIns="0" bIns="0">
+            <a:normAutofit/>
+          </a:bodyPr>
+          <a:p>
+            <a:endParaRPr b="0" lang="en-GB" sz="3200" spc="-1" strike="noStrike">
+              <a:latin typeface="Arial"/>
+            </a:endParaRPr>
+          </a:p>
+        </p:txBody>
+      </p:sp>
+      <p:sp>
+        <p:nvSpPr>
+          <p:cNvPr id="105" name="PlaceHolder 4"/>
+          <p:cNvSpPr>
+            <a:spLocks noGrp="1"/>
+          </p:cNvSpPr>
+          <p:nvPr>
+            <p:ph type="body"/>
+          </p:nvPr>
+        </p:nvSpPr>
+        <p:spPr>
+          <a:xfrm>
+            <a:off x="609480" y="3682080"/>
+            <a:ext cx="5354280" cy="1896840"/>
+          </a:xfrm>
+          <a:prstGeom prst="rect">
+            <a:avLst/>
+          </a:prstGeom>
+        </p:spPr>
+        <p:txBody>
+          <a:bodyPr lIns="0" rIns="0" tIns="0" bIns="0">
+            <a:normAutofit/>
+          </a:bodyPr>
+          <a:p>
+            <a:endParaRPr b="0" lang="en-GB" sz="3200" spc="-1" strike="noStrike">
+              <a:latin typeface="Arial"/>
+            </a:endParaRPr>
+          </a:p>
+        </p:txBody>
+      </p:sp>
+      <p:sp>
+        <p:nvSpPr>
+          <p:cNvPr id="106" name="PlaceHolder 5"/>
+          <p:cNvSpPr>
+            <a:spLocks noGrp="1"/>
+          </p:cNvSpPr>
+          <p:nvPr>
+            <p:ph type="body"/>
+          </p:nvPr>
+        </p:nvSpPr>
+        <p:spPr>
+          <a:xfrm>
+            <a:off x="6231960" y="3682080"/>
+            <a:ext cx="5354280" cy="1896840"/>
+          </a:xfrm>
+          <a:prstGeom prst="rect">
+            <a:avLst/>
+          </a:prstGeom>
+        </p:spPr>
+        <p:txBody>
+          <a:bodyPr lIns="0" rIns="0" tIns="0" bIns="0">
+            <a:normAutofit/>
+          </a:bodyPr>
+          <a:p>
+            <a:endParaRPr b="0" lang="en-GB" sz="3200" spc="-1" strike="noStrike">
+              <a:latin typeface="Arial"/>
+            </a:endParaRPr>
+          </a:p>
+        </p:txBody>
+      </p:sp>
+    </p:spTree>
+  </p:cSld>
+</p:sldLayout>
+</file>
+
+<file path=ppt/slideLayouts/slideLayout36.xml><?xml version="1.0" encoding="utf-8"?>
+<p:sldLayout xmlns:a="http://schemas.openxmlformats.org/drawingml/2006/main" xmlns:p="http://schemas.openxmlformats.org/presentationml/2006/main" xmlns:r="http://schemas.openxmlformats.org/officeDocument/2006/relationships" xmlns:p14="http://schemas.microsoft.com/office/powerpoint/2010/main" xmlns:p15="http://schemas.microsoft.com/office/powerpoint/2012/main" xmlns:mc="http://schemas.openxmlformats.org/markup-compatibility/2006" type="blank" preserve="1">
+  <p:cSld name="Title, 6 Content">
+    <p:spTree>
+      <p:nvGrpSpPr>
+        <p:cNvPr id="1" name=""/>
+        <p:cNvGrpSpPr/>
+        <p:nvPr/>
+      </p:nvGrpSpPr>
+      <p:grpSpPr>
+        <a:xfrm>
+          <a:off x="0" y="0"/>
+          <a:ext cx="0" cy="0"/>
+          <a:chOff x="0" y="0"/>
+          <a:chExt cx="0" cy="0"/>
+        </a:xfrm>
+      </p:grpSpPr>
+      <p:sp>
+        <p:nvSpPr>
+          <p:cNvPr id="107" name="PlaceHolder 1"/>
+          <p:cNvSpPr>
+            <a:spLocks noGrp="1"/>
+          </p:cNvSpPr>
+          <p:nvPr>
+            <p:ph type="title"/>
+          </p:nvPr>
+        </p:nvSpPr>
+        <p:spPr>
+          <a:xfrm>
+            <a:off x="609480" y="273600"/>
+            <a:ext cx="10972080" cy="1144440"/>
+          </a:xfrm>
+          <a:prstGeom prst="rect">
+            <a:avLst/>
+          </a:prstGeom>
+        </p:spPr>
+        <p:txBody>
+          <a:bodyPr lIns="0" rIns="0" tIns="0" bIns="0" anchor="ctr">
+            <a:noAutofit/>
+          </a:bodyPr>
+          <a:p>
+            <a:pPr algn="ctr"/>
+            <a:endParaRPr b="0" lang="en-GB" sz="4400" spc="-1" strike="noStrike">
+              <a:latin typeface="Arial"/>
+            </a:endParaRPr>
+          </a:p>
+        </p:txBody>
+      </p:sp>
+      <p:sp>
+        <p:nvSpPr>
+          <p:cNvPr id="108" name="PlaceHolder 2"/>
+          <p:cNvSpPr>
+            <a:spLocks noGrp="1"/>
+          </p:cNvSpPr>
+          <p:nvPr>
+            <p:ph type="body"/>
+          </p:nvPr>
+        </p:nvSpPr>
+        <p:spPr>
+          <a:xfrm>
+            <a:off x="609480" y="1604520"/>
+            <a:ext cx="3532680" cy="1896840"/>
+          </a:xfrm>
+          <a:prstGeom prst="rect">
+            <a:avLst/>
+          </a:prstGeom>
+        </p:spPr>
+        <p:txBody>
+          <a:bodyPr lIns="0" rIns="0" tIns="0" bIns="0">
+            <a:normAutofit/>
+          </a:bodyPr>
+          <a:p>
+            <a:endParaRPr b="0" lang="en-GB" sz="3200" spc="-1" strike="noStrike">
+              <a:latin typeface="Arial"/>
+            </a:endParaRPr>
+          </a:p>
+        </p:txBody>
+      </p:sp>
+      <p:sp>
+        <p:nvSpPr>
+          <p:cNvPr id="109" name="PlaceHolder 3"/>
+          <p:cNvSpPr>
+            <a:spLocks noGrp="1"/>
+          </p:cNvSpPr>
+          <p:nvPr>
+            <p:ph type="body"/>
+          </p:nvPr>
+        </p:nvSpPr>
+        <p:spPr>
+          <a:xfrm>
+            <a:off x="4319280" y="1604520"/>
+            <a:ext cx="3532680" cy="1896840"/>
+          </a:xfrm>
+          <a:prstGeom prst="rect">
+            <a:avLst/>
+          </a:prstGeom>
+        </p:spPr>
+        <p:txBody>
+          <a:bodyPr lIns="0" rIns="0" tIns="0" bIns="0">
+            <a:normAutofit/>
+          </a:bodyPr>
+          <a:p>
+            <a:endParaRPr b="0" lang="en-GB" sz="3200" spc="-1" strike="noStrike">
+              <a:latin typeface="Arial"/>
+            </a:endParaRPr>
+          </a:p>
+        </p:txBody>
+      </p:sp>
+      <p:sp>
+        <p:nvSpPr>
+          <p:cNvPr id="110" name="PlaceHolder 4"/>
+          <p:cNvSpPr>
+            <a:spLocks noGrp="1"/>
+          </p:cNvSpPr>
+          <p:nvPr>
+            <p:ph type="body"/>
+          </p:nvPr>
+        </p:nvSpPr>
+        <p:spPr>
+          <a:xfrm>
+            <a:off x="8028720" y="1604520"/>
+            <a:ext cx="3532680" cy="1896840"/>
+          </a:xfrm>
+          <a:prstGeom prst="rect">
+            <a:avLst/>
+          </a:prstGeom>
+        </p:spPr>
+        <p:txBody>
+          <a:bodyPr lIns="0" rIns="0" tIns="0" bIns="0">
+            <a:normAutofit/>
+          </a:bodyPr>
+          <a:p>
+            <a:endParaRPr b="0" lang="en-GB" sz="3200" spc="-1" strike="noStrike">
+              <a:latin typeface="Arial"/>
+            </a:endParaRPr>
+          </a:p>
+        </p:txBody>
+      </p:sp>
+      <p:sp>
+        <p:nvSpPr>
+          <p:cNvPr id="111" name="PlaceHolder 5"/>
+          <p:cNvSpPr>
+            <a:spLocks noGrp="1"/>
+          </p:cNvSpPr>
+          <p:nvPr>
+            <p:ph type="body"/>
+          </p:nvPr>
+        </p:nvSpPr>
+        <p:spPr>
+          <a:xfrm>
+            <a:off x="609480" y="3682080"/>
+            <a:ext cx="3532680" cy="1896840"/>
+          </a:xfrm>
+          <a:prstGeom prst="rect">
+            <a:avLst/>
+          </a:prstGeom>
+        </p:spPr>
+        <p:txBody>
+          <a:bodyPr lIns="0" rIns="0" tIns="0" bIns="0">
+            <a:normAutofit/>
+          </a:bodyPr>
+          <a:p>
+            <a:endParaRPr b="0" lang="en-GB" sz="3200" spc="-1" strike="noStrike">
+              <a:latin typeface="Arial"/>
+            </a:endParaRPr>
+          </a:p>
+        </p:txBody>
+      </p:sp>
+      <p:sp>
+        <p:nvSpPr>
+          <p:cNvPr id="112" name="PlaceHolder 6"/>
+          <p:cNvSpPr>
+            <a:spLocks noGrp="1"/>
+          </p:cNvSpPr>
+          <p:nvPr>
+            <p:ph type="body"/>
+          </p:nvPr>
+        </p:nvSpPr>
+        <p:spPr>
+          <a:xfrm>
+            <a:off x="4319280" y="3682080"/>
+            <a:ext cx="3532680" cy="1896840"/>
+          </a:xfrm>
+          <a:prstGeom prst="rect">
+            <a:avLst/>
+          </a:prstGeom>
+        </p:spPr>
+        <p:txBody>
+          <a:bodyPr lIns="0" rIns="0" tIns="0" bIns="0">
+            <a:normAutofit/>
+          </a:bodyPr>
+          <a:p>
+            <a:endParaRPr b="0" lang="en-GB" sz="3200" spc="-1" strike="noStrike">
+              <a:latin typeface="Arial"/>
+            </a:endParaRPr>
+          </a:p>
+        </p:txBody>
+      </p:sp>
+      <p:sp>
+        <p:nvSpPr>
+          <p:cNvPr id="113" name="PlaceHolder 7"/>
+          <p:cNvSpPr>
+            <a:spLocks noGrp="1"/>
+          </p:cNvSpPr>
+          <p:nvPr>
+            <p:ph type="body"/>
+          </p:nvPr>
+        </p:nvSpPr>
+        <p:spPr>
+          <a:xfrm>
+            <a:off x="8028720" y="3682080"/>
+            <a:ext cx="3532680" cy="1896840"/>
           </a:xfrm>
           <a:prstGeom prst="rect">
             <a:avLst/>
@@ -2112,7 +3469,7 @@
         <p:spPr>
           <a:xfrm>
             <a:off x="609480" y="273600"/>
-            <a:ext cx="10972440" cy="1144800"/>
+            <a:ext cx="10972080" cy="1144440"/>
           </a:xfrm>
           <a:prstGeom prst="rect">
             <a:avLst/>
@@ -2143,7 +3500,7 @@
         <p:spPr>
           <a:xfrm>
             <a:off x="609480" y="1604520"/>
-            <a:ext cx="5354280" cy="3977280"/>
+            <a:ext cx="5354280" cy="3976920"/>
           </a:xfrm>
           <a:prstGeom prst="rect">
             <a:avLst/>
@@ -2173,7 +3530,7 @@
         <p:spPr>
           <a:xfrm>
             <a:off x="6231960" y="1604520"/>
-            <a:ext cx="5354280" cy="3977280"/>
+            <a:ext cx="5354280" cy="3976920"/>
           </a:xfrm>
           <a:prstGeom prst="rect">
             <a:avLst/>
@@ -2225,7 +3582,7 @@
         <p:spPr>
           <a:xfrm>
             <a:off x="609480" y="273600"/>
-            <a:ext cx="10972440" cy="1144800"/>
+            <a:ext cx="10972080" cy="1144440"/>
           </a:xfrm>
           <a:prstGeom prst="rect">
             <a:avLst/>
@@ -2278,7 +3635,7 @@
         <p:spPr>
           <a:xfrm>
             <a:off x="609480" y="273600"/>
-            <a:ext cx="10972440" cy="5307840"/>
+            <a:ext cx="10972080" cy="5306400"/>
           </a:xfrm>
           <a:prstGeom prst="rect">
             <a:avLst/>
@@ -2331,7 +3688,7 @@
         <p:spPr>
           <a:xfrm>
             <a:off x="609480" y="273600"/>
-            <a:ext cx="10972440" cy="1144800"/>
+            <a:ext cx="10972080" cy="1144440"/>
           </a:xfrm>
           <a:prstGeom prst="rect">
             <a:avLst/>
@@ -2392,7 +3749,7 @@
         <p:spPr>
           <a:xfrm>
             <a:off x="6231960" y="1604520"/>
-            <a:ext cx="5354280" cy="3977280"/>
+            <a:ext cx="5354280" cy="3976920"/>
           </a:xfrm>
           <a:prstGeom prst="rect">
             <a:avLst/>
@@ -2474,7 +3831,7 @@
         <p:spPr>
           <a:xfrm>
             <a:off x="609480" y="273600"/>
-            <a:ext cx="10972440" cy="1144800"/>
+            <a:ext cx="10972080" cy="1144440"/>
           </a:xfrm>
           <a:prstGeom prst="rect">
             <a:avLst/>
@@ -2505,7 +3862,7 @@
         <p:spPr>
           <a:xfrm>
             <a:off x="609480" y="1604520"/>
-            <a:ext cx="5354280" cy="3977280"/>
+            <a:ext cx="5354280" cy="3976920"/>
           </a:xfrm>
           <a:prstGeom prst="rect">
             <a:avLst/>
@@ -2617,7 +3974,7 @@
         <p:spPr>
           <a:xfrm>
             <a:off x="609480" y="273600"/>
-            <a:ext cx="10972440" cy="1144800"/>
+            <a:ext cx="10972080" cy="1144440"/>
           </a:xfrm>
           <a:prstGeom prst="rect">
             <a:avLst/>
@@ -2708,7 +4065,7 @@
         <p:spPr>
           <a:xfrm>
             <a:off x="609480" y="3682080"/>
-            <a:ext cx="10972440" cy="1896840"/>
+            <a:ext cx="10972080" cy="1896840"/>
           </a:xfrm>
           <a:prstGeom prst="rect">
             <a:avLst/>
@@ -2766,8 +4123,8 @@
         </p:nvSpPr>
         <p:spPr>
           <a:xfrm>
-            <a:off x="838080" y="365040"/>
-            <a:ext cx="10514880" cy="1324800"/>
+            <a:off x="609480" y="273600"/>
+            <a:ext cx="10972080" cy="1144440"/>
           </a:xfrm>
           <a:prstGeom prst="rect">
             <a:avLst/>
@@ -2804,18 +4161,18 @@
         <p:spPr>
           <a:xfrm>
             <a:off x="609480" y="1604520"/>
-            <a:ext cx="10972440" cy="3977280"/>
-          </a:xfrm>
-          <a:prstGeom prst="rect">
-            <a:avLst/>
-          </a:prstGeom>
-        </p:spPr>
-        <p:txBody>
-          <a:bodyPr lIns="0" rIns="0" tIns="0" bIns="0">
-            <a:normAutofit/>
-          </a:bodyPr>
-          <a:p>
-            <a:pPr marL="432000" indent="-324000">
+            <a:ext cx="10972080" cy="3976920"/>
+          </a:xfrm>
+          <a:prstGeom prst="rect">
+            <a:avLst/>
+          </a:prstGeom>
+        </p:spPr>
+        <p:txBody>
+          <a:bodyPr lIns="0" rIns="0" tIns="0" bIns="0">
+            <a:normAutofit/>
+          </a:bodyPr>
+          <a:p>
+            <a:pPr marL="432000" indent="-324000" algn="ctr">
               <a:spcBef>
                 <a:spcPts val="1417"/>
               </a:spcBef>
@@ -2827,17 +4184,17 @@
               <a:buChar char=""/>
             </a:pPr>
             <a:r>
-              <a:rPr b="0" lang="en-GB" sz="3200" spc="-1" strike="noStrike">
+              <a:rPr b="0" lang="en-GB" sz="1800" spc="-1" strike="noStrike">
                 <a:latin typeface="Arial"/>
               </a:rPr>
               <a:t>Click to edit the outline text format</a:t>
             </a:r>
-            <a:endParaRPr b="0" lang="en-GB" sz="3200" spc="-1" strike="noStrike">
-              <a:latin typeface="Arial"/>
-            </a:endParaRPr>
-          </a:p>
-          <a:p>
-            <a:pPr lvl="1" marL="864000" indent="-324000">
+            <a:endParaRPr b="0" lang="en-GB" sz="1800" spc="-1" strike="noStrike">
+              <a:latin typeface="Arial"/>
+            </a:endParaRPr>
+          </a:p>
+          <a:p>
+            <a:pPr lvl="1" marL="864000" indent="-324000" algn="ctr">
               <a:spcBef>
                 <a:spcPts val="1134"/>
               </a:spcBef>
@@ -2849,17 +4206,17 @@
               <a:buChar char=""/>
             </a:pPr>
             <a:r>
-              <a:rPr b="0" lang="en-GB" sz="2800" spc="-1" strike="noStrike">
+              <a:rPr b="0" lang="en-GB" sz="1800" spc="-1" strike="noStrike">
                 <a:latin typeface="Arial"/>
               </a:rPr>
               <a:t>Second Outline Level</a:t>
             </a:r>
-            <a:endParaRPr b="0" lang="en-GB" sz="2800" spc="-1" strike="noStrike">
-              <a:latin typeface="Arial"/>
-            </a:endParaRPr>
-          </a:p>
-          <a:p>
-            <a:pPr lvl="2" marL="1296000" indent="-288000">
+            <a:endParaRPr b="0" lang="en-GB" sz="1800" spc="-1" strike="noStrike">
+              <a:latin typeface="Arial"/>
+            </a:endParaRPr>
+          </a:p>
+          <a:p>
+            <a:pPr lvl="2" marL="1296000" indent="-288000" algn="ctr">
               <a:spcBef>
                 <a:spcPts val="850"/>
               </a:spcBef>
@@ -2871,17 +4228,17 @@
               <a:buChar char=""/>
             </a:pPr>
             <a:r>
-              <a:rPr b="0" lang="en-GB" sz="2400" spc="-1" strike="noStrike">
+              <a:rPr b="0" lang="en-GB" sz="1800" spc="-1" strike="noStrike">
                 <a:latin typeface="Arial"/>
               </a:rPr>
               <a:t>Third Outline Level</a:t>
             </a:r>
-            <a:endParaRPr b="0" lang="en-GB" sz="2400" spc="-1" strike="noStrike">
-              <a:latin typeface="Arial"/>
-            </a:endParaRPr>
-          </a:p>
-          <a:p>
-            <a:pPr lvl="3" marL="1728000" indent="-216000">
+            <a:endParaRPr b="0" lang="en-GB" sz="1800" spc="-1" strike="noStrike">
+              <a:latin typeface="Arial"/>
+            </a:endParaRPr>
+          </a:p>
+          <a:p>
+            <a:pPr lvl="3" marL="1728000" indent="-216000" algn="ctr">
               <a:spcBef>
                 <a:spcPts val="567"/>
               </a:spcBef>
@@ -2893,17 +4250,17 @@
               <a:buChar char=""/>
             </a:pPr>
             <a:r>
-              <a:rPr b="0" lang="en-GB" sz="2000" spc="-1" strike="noStrike">
+              <a:rPr b="0" lang="en-GB" sz="1800" spc="-1" strike="noStrike">
                 <a:latin typeface="Arial"/>
               </a:rPr>
               <a:t>Fourth Outline Level</a:t>
             </a:r>
-            <a:endParaRPr b="0" lang="en-GB" sz="2000" spc="-1" strike="noStrike">
-              <a:latin typeface="Arial"/>
-            </a:endParaRPr>
-          </a:p>
-          <a:p>
-            <a:pPr lvl="4" marL="2160000" indent="-216000">
+            <a:endParaRPr b="0" lang="en-GB" sz="1800" spc="-1" strike="noStrike">
+              <a:latin typeface="Arial"/>
+            </a:endParaRPr>
+          </a:p>
+          <a:p>
+            <a:pPr lvl="4" marL="2160000" indent="-216000" algn="ctr">
               <a:spcBef>
                 <a:spcPts val="283"/>
               </a:spcBef>
@@ -2915,17 +4272,17 @@
               <a:buChar char=""/>
             </a:pPr>
             <a:r>
-              <a:rPr b="0" lang="en-GB" sz="2000" spc="-1" strike="noStrike">
+              <a:rPr b="0" lang="en-GB" sz="1800" spc="-1" strike="noStrike">
                 <a:latin typeface="Arial"/>
               </a:rPr>
               <a:t>Fifth Outline Level</a:t>
             </a:r>
-            <a:endParaRPr b="0" lang="en-GB" sz="2000" spc="-1" strike="noStrike">
-              <a:latin typeface="Arial"/>
-            </a:endParaRPr>
-          </a:p>
-          <a:p>
-            <a:pPr lvl="5" marL="2592000" indent="-216000">
+            <a:endParaRPr b="0" lang="en-GB" sz="1800" spc="-1" strike="noStrike">
+              <a:latin typeface="Arial"/>
+            </a:endParaRPr>
+          </a:p>
+          <a:p>
+            <a:pPr lvl="5" marL="2592000" indent="-216000" algn="ctr">
               <a:spcBef>
                 <a:spcPts val="283"/>
               </a:spcBef>
@@ -2937,17 +4294,17 @@
               <a:buChar char=""/>
             </a:pPr>
             <a:r>
-              <a:rPr b="0" lang="en-GB" sz="2000" spc="-1" strike="noStrike">
+              <a:rPr b="0" lang="en-GB" sz="1800" spc="-1" strike="noStrike">
                 <a:latin typeface="Arial"/>
               </a:rPr>
               <a:t>Sixth Outline Level</a:t>
             </a:r>
-            <a:endParaRPr b="0" lang="en-GB" sz="2000" spc="-1" strike="noStrike">
-              <a:latin typeface="Arial"/>
-            </a:endParaRPr>
-          </a:p>
-          <a:p>
-            <a:pPr lvl="6" marL="3024000" indent="-216000">
+            <a:endParaRPr b="0" lang="en-GB" sz="1800" spc="-1" strike="noStrike">
+              <a:latin typeface="Arial"/>
+            </a:endParaRPr>
+          </a:p>
+          <a:p>
+            <a:pPr lvl="6" marL="3024000" indent="-216000" algn="ctr">
               <a:spcBef>
                 <a:spcPts val="283"/>
               </a:spcBef>
@@ -2959,12 +4316,12 @@
               <a:buChar char=""/>
             </a:pPr>
             <a:r>
-              <a:rPr b="0" lang="en-GB" sz="2000" spc="-1" strike="noStrike">
+              <a:rPr b="0" lang="en-GB" sz="1800" spc="-1" strike="noStrike">
                 <a:latin typeface="Arial"/>
               </a:rPr>
               <a:t>Seventh Outline Level</a:t>
             </a:r>
-            <a:endParaRPr b="0" lang="en-GB" sz="2000" spc="-1" strike="noStrike">
+            <a:endParaRPr b="0" lang="en-GB" sz="1800" spc="-1" strike="noStrike">
               <a:latin typeface="Arial"/>
             </a:endParaRPr>
           </a:p>
@@ -3250,6 +4607,266 @@
 </p:sldMaster>
 </file>
 
+<file path=ppt/slideMasters/slideMaster3.xml><?xml version="1.0" encoding="utf-8"?>
+<p:sldMaster xmlns:a="http://schemas.openxmlformats.org/drawingml/2006/main" xmlns:p="http://schemas.openxmlformats.org/presentationml/2006/main" xmlns:r="http://schemas.openxmlformats.org/officeDocument/2006/relationships" xmlns:p14="http://schemas.microsoft.com/office/powerpoint/2010/main" xmlns:p15="http://schemas.microsoft.com/office/powerpoint/2012/main" xmlns:mc="http://schemas.openxmlformats.org/markup-compatibility/2006">
+  <p:cSld>
+    <p:bg>
+      <p:bgPr>
+        <a:solidFill>
+          <a:srgbClr val="ffffff"/>
+        </a:solidFill>
+      </p:bgPr>
+    </p:bg>
+    <p:spTree>
+      <p:nvGrpSpPr>
+        <p:cNvPr id="1" name=""/>
+        <p:cNvGrpSpPr/>
+        <p:nvPr/>
+      </p:nvGrpSpPr>
+      <p:grpSpPr>
+        <a:xfrm>
+          <a:off x="0" y="0"/>
+          <a:ext cx="0" cy="0"/>
+          <a:chOff x="0" y="0"/>
+          <a:chExt cx="0" cy="0"/>
+        </a:xfrm>
+      </p:grpSpPr>
+      <p:sp>
+        <p:nvSpPr>
+          <p:cNvPr id="76" name="PlaceHolder 1"/>
+          <p:cNvSpPr>
+            <a:spLocks noGrp="1"/>
+          </p:cNvSpPr>
+          <p:nvPr>
+            <p:ph type="title"/>
+          </p:nvPr>
+        </p:nvSpPr>
+        <p:spPr>
+          <a:xfrm>
+            <a:off x="609480" y="273600"/>
+            <a:ext cx="10972080" cy="1144440"/>
+          </a:xfrm>
+          <a:prstGeom prst="rect">
+            <a:avLst/>
+          </a:prstGeom>
+        </p:spPr>
+        <p:txBody>
+          <a:bodyPr lIns="0" rIns="0" tIns="0" bIns="0" anchor="ctr">
+            <a:noAutofit/>
+          </a:bodyPr>
+          <a:p>
+            <a:pPr algn="ctr"/>
+            <a:r>
+              <a:rPr b="0" lang="en-GB" sz="1800" spc="-1" strike="noStrike">
+                <a:latin typeface="Arial"/>
+              </a:rPr>
+              <a:t>Click to edit the title text format</a:t>
+            </a:r>
+            <a:endParaRPr b="0" lang="en-GB" sz="1800" spc="-1" strike="noStrike">
+              <a:latin typeface="Arial"/>
+            </a:endParaRPr>
+          </a:p>
+        </p:txBody>
+      </p:sp>
+      <p:sp>
+        <p:nvSpPr>
+          <p:cNvPr id="77" name="PlaceHolder 2"/>
+          <p:cNvSpPr>
+            <a:spLocks noGrp="1"/>
+          </p:cNvSpPr>
+          <p:nvPr>
+            <p:ph type="body"/>
+          </p:nvPr>
+        </p:nvSpPr>
+        <p:spPr>
+          <a:xfrm>
+            <a:off x="609480" y="1604520"/>
+            <a:ext cx="10972080" cy="3976920"/>
+          </a:xfrm>
+          <a:prstGeom prst="rect">
+            <a:avLst/>
+          </a:prstGeom>
+        </p:spPr>
+        <p:txBody>
+          <a:bodyPr lIns="0" rIns="0" tIns="0" bIns="0">
+            <a:normAutofit/>
+          </a:bodyPr>
+          <a:p>
+            <a:pPr marL="432000" indent="-324000" algn="ctr">
+              <a:spcBef>
+                <a:spcPts val="1417"/>
+              </a:spcBef>
+              <a:buClr>
+                <a:srgbClr val="000000"/>
+              </a:buClr>
+              <a:buSzPct val="45000"/>
+              <a:buFont typeface="Wingdings" charset="2"/>
+              <a:buChar char=""/>
+            </a:pPr>
+            <a:r>
+              <a:rPr b="0" lang="en-GB" sz="1800" spc="-1" strike="noStrike">
+                <a:latin typeface="Arial"/>
+              </a:rPr>
+              <a:t>Click to edit the outline text format</a:t>
+            </a:r>
+            <a:endParaRPr b="0" lang="en-GB" sz="1800" spc="-1" strike="noStrike">
+              <a:latin typeface="Arial"/>
+            </a:endParaRPr>
+          </a:p>
+          <a:p>
+            <a:pPr lvl="1" marL="864000" indent="-324000" algn="ctr">
+              <a:spcBef>
+                <a:spcPts val="1134"/>
+              </a:spcBef>
+              <a:buClr>
+                <a:srgbClr val="000000"/>
+              </a:buClr>
+              <a:buSzPct val="75000"/>
+              <a:buFont typeface="Symbol" charset="2"/>
+              <a:buChar char=""/>
+            </a:pPr>
+            <a:r>
+              <a:rPr b="0" lang="en-GB" sz="1800" spc="-1" strike="noStrike">
+                <a:latin typeface="Arial"/>
+              </a:rPr>
+              <a:t>Second Outline Level</a:t>
+            </a:r>
+            <a:endParaRPr b="0" lang="en-GB" sz="1800" spc="-1" strike="noStrike">
+              <a:latin typeface="Arial"/>
+            </a:endParaRPr>
+          </a:p>
+          <a:p>
+            <a:pPr lvl="2" marL="1296000" indent="-288000" algn="ctr">
+              <a:spcBef>
+                <a:spcPts val="850"/>
+              </a:spcBef>
+              <a:buClr>
+                <a:srgbClr val="000000"/>
+              </a:buClr>
+              <a:buSzPct val="45000"/>
+              <a:buFont typeface="Wingdings" charset="2"/>
+              <a:buChar char=""/>
+            </a:pPr>
+            <a:r>
+              <a:rPr b="0" lang="en-GB" sz="1800" spc="-1" strike="noStrike">
+                <a:latin typeface="Arial"/>
+              </a:rPr>
+              <a:t>Third Outline Level</a:t>
+            </a:r>
+            <a:endParaRPr b="0" lang="en-GB" sz="1800" spc="-1" strike="noStrike">
+              <a:latin typeface="Arial"/>
+            </a:endParaRPr>
+          </a:p>
+          <a:p>
+            <a:pPr lvl="3" marL="1728000" indent="-216000" algn="ctr">
+              <a:spcBef>
+                <a:spcPts val="567"/>
+              </a:spcBef>
+              <a:buClr>
+                <a:srgbClr val="000000"/>
+              </a:buClr>
+              <a:buSzPct val="75000"/>
+              <a:buFont typeface="Symbol" charset="2"/>
+              <a:buChar char=""/>
+            </a:pPr>
+            <a:r>
+              <a:rPr b="0" lang="en-GB" sz="1800" spc="-1" strike="noStrike">
+                <a:latin typeface="Arial"/>
+              </a:rPr>
+              <a:t>Fourth Outline Level</a:t>
+            </a:r>
+            <a:endParaRPr b="0" lang="en-GB" sz="1800" spc="-1" strike="noStrike">
+              <a:latin typeface="Arial"/>
+            </a:endParaRPr>
+          </a:p>
+          <a:p>
+            <a:pPr lvl="4" marL="2160000" indent="-216000" algn="ctr">
+              <a:spcBef>
+                <a:spcPts val="283"/>
+              </a:spcBef>
+              <a:buClr>
+                <a:srgbClr val="000000"/>
+              </a:buClr>
+              <a:buSzPct val="45000"/>
+              <a:buFont typeface="Wingdings" charset="2"/>
+              <a:buChar char=""/>
+            </a:pPr>
+            <a:r>
+              <a:rPr b="0" lang="en-GB" sz="1800" spc="-1" strike="noStrike">
+                <a:latin typeface="Arial"/>
+              </a:rPr>
+              <a:t>Fifth Outline Level</a:t>
+            </a:r>
+            <a:endParaRPr b="0" lang="en-GB" sz="1800" spc="-1" strike="noStrike">
+              <a:latin typeface="Arial"/>
+            </a:endParaRPr>
+          </a:p>
+          <a:p>
+            <a:pPr lvl="5" marL="2592000" indent="-216000" algn="ctr">
+              <a:spcBef>
+                <a:spcPts val="283"/>
+              </a:spcBef>
+              <a:buClr>
+                <a:srgbClr val="000000"/>
+              </a:buClr>
+              <a:buSzPct val="45000"/>
+              <a:buFont typeface="Wingdings" charset="2"/>
+              <a:buChar char=""/>
+            </a:pPr>
+            <a:r>
+              <a:rPr b="0" lang="en-GB" sz="1800" spc="-1" strike="noStrike">
+                <a:latin typeface="Arial"/>
+              </a:rPr>
+              <a:t>Sixth Outline Level</a:t>
+            </a:r>
+            <a:endParaRPr b="0" lang="en-GB" sz="1800" spc="-1" strike="noStrike">
+              <a:latin typeface="Arial"/>
+            </a:endParaRPr>
+          </a:p>
+          <a:p>
+            <a:pPr lvl="6" marL="3024000" indent="-216000" algn="ctr">
+              <a:spcBef>
+                <a:spcPts val="283"/>
+              </a:spcBef>
+              <a:buClr>
+                <a:srgbClr val="000000"/>
+              </a:buClr>
+              <a:buSzPct val="45000"/>
+              <a:buFont typeface="Wingdings" charset="2"/>
+              <a:buChar char=""/>
+            </a:pPr>
+            <a:r>
+              <a:rPr b="0" lang="en-GB" sz="1800" spc="-1" strike="noStrike">
+                <a:latin typeface="Arial"/>
+              </a:rPr>
+              <a:t>Seventh Outline Level</a:t>
+            </a:r>
+            <a:endParaRPr b="0" lang="en-GB" sz="1800" spc="-1" strike="noStrike">
+              <a:latin typeface="Arial"/>
+            </a:endParaRPr>
+          </a:p>
+        </p:txBody>
+      </p:sp>
+    </p:spTree>
+  </p:cSld>
+  <p:clrMap bg1="lt1" bg2="lt2" tx1="dk1" tx2="dk2" accent1="accent1" accent2="accent2" accent3="accent3" accent4="accent4" accent5="accent5" accent6="accent6" hlink="hlink" folHlink="folHlink"/>
+  <p:sldLayoutIdLst>
+    <p:sldLayoutId id="2147483675" r:id="rId2"/>
+    <p:sldLayoutId id="2147483676" r:id="rId3"/>
+    <p:sldLayoutId id="2147483677" r:id="rId4"/>
+    <p:sldLayoutId id="2147483678" r:id="rId5"/>
+    <p:sldLayoutId id="2147483679" r:id="rId6"/>
+    <p:sldLayoutId id="2147483680" r:id="rId7"/>
+    <p:sldLayoutId id="2147483681" r:id="rId8"/>
+    <p:sldLayoutId id="2147483682" r:id="rId9"/>
+    <p:sldLayoutId id="2147483683" r:id="rId10"/>
+    <p:sldLayoutId id="2147483684" r:id="rId11"/>
+    <p:sldLayoutId id="2147483685" r:id="rId12"/>
+    <p:sldLayoutId id="2147483686" r:id="rId13"/>
+  </p:sldLayoutIdLst>
+</p:sldMaster>
+</file>
+
 <file path=ppt/slides/slide1.xml><?xml version="1.0" encoding="utf-8"?>
 <p:sld xmlns:a="http://schemas.openxmlformats.org/drawingml/2006/main" xmlns:p="http://schemas.openxmlformats.org/presentationml/2006/main" xmlns:r="http://schemas.openxmlformats.org/officeDocument/2006/relationships" xmlns:p14="http://schemas.microsoft.com/office/powerpoint/2010/main" xmlns:p15="http://schemas.microsoft.com/office/powerpoint/2012/main" xmlns:mc="http://schemas.openxmlformats.org/markup-compatibility/2006">
   <p:cSld>
@@ -3269,14 +4886,14 @@
       </p:grpSpPr>
       <p:sp>
         <p:nvSpPr>
-          <p:cNvPr id="76" name="CustomShape 1"/>
+          <p:cNvPr id="114" name="CustomShape 1"/>
           <p:cNvSpPr/>
           <p:nvPr/>
         </p:nvSpPr>
         <p:spPr>
           <a:xfrm>
             <a:off x="1523880" y="1122480"/>
-            <a:ext cx="9143280" cy="2386800"/>
+            <a:ext cx="9142920" cy="2386440"/>
           </a:xfrm>
           <a:prstGeom prst="rect">
             <a:avLst/>
@@ -3308,6 +4925,7 @@
                   <a:srgbClr val="000000"/>
                 </a:solidFill>
                 <a:latin typeface="Calibri Light"/>
+                <a:ea typeface="DejaVu Sans"/>
               </a:rPr>
               <a:t>COVID-19 Network Impacts</a:t>
             </a:r>
@@ -3319,14 +4937,14 @@
       </p:sp>
       <p:sp>
         <p:nvSpPr>
-          <p:cNvPr id="77" name="CustomShape 2"/>
+          <p:cNvPr id="115" name="CustomShape 2"/>
           <p:cNvSpPr/>
           <p:nvPr/>
         </p:nvSpPr>
         <p:spPr>
           <a:xfrm>
             <a:off x="1523880" y="3602160"/>
-            <a:ext cx="9143280" cy="1654920"/>
+            <a:ext cx="9142920" cy="1654560"/>
           </a:xfrm>
           <a:prstGeom prst="rect">
             <a:avLst/>
@@ -3364,6 +4982,7 @@
                   <a:srgbClr val="000000"/>
                 </a:solidFill>
                 <a:latin typeface="Calibri"/>
+                <a:ea typeface="DejaVu Sans"/>
               </a:rPr>
               <a:t>IAB Workshop (Day 3)</a:t>
             </a:r>
@@ -3389,6 +5008,7 @@
                   <a:srgbClr val="000000"/>
                 </a:solidFill>
                 <a:latin typeface="Calibri"/>
+                <a:ea typeface="DejaVu Sans"/>
               </a:rPr>
               <a:t>Nov 13, 2020</a:t>
             </a:r>
@@ -3430,14 +5050,14 @@
       </p:grpSpPr>
       <p:sp>
         <p:nvSpPr>
-          <p:cNvPr id="78" name="CustomShape 1"/>
+          <p:cNvPr id="116" name="CustomShape 1"/>
           <p:cNvSpPr/>
           <p:nvPr/>
         </p:nvSpPr>
         <p:spPr>
           <a:xfrm>
             <a:off x="838080" y="365040"/>
-            <a:ext cx="10514880" cy="693000"/>
+            <a:ext cx="10514520" cy="692640"/>
           </a:xfrm>
           <a:prstGeom prst="rect">
             <a:avLst/>
@@ -3469,6 +5089,7 @@
                   <a:srgbClr val="000000"/>
                 </a:solidFill>
                 <a:latin typeface="Calibri Light"/>
+                <a:ea typeface="DejaVu Sans"/>
               </a:rPr>
               <a:t>Agenda</a:t>
             </a:r>
@@ -3480,14 +5101,14 @@
       </p:sp>
       <p:sp>
         <p:nvSpPr>
-          <p:cNvPr id="79" name="CustomShape 2"/>
+          <p:cNvPr id="117" name="CustomShape 2"/>
           <p:cNvSpPr/>
           <p:nvPr/>
         </p:nvSpPr>
         <p:spPr>
           <a:xfrm>
             <a:off x="838080" y="1164600"/>
-            <a:ext cx="10514880" cy="5011560"/>
+            <a:ext cx="10514520" cy="5011200"/>
           </a:xfrm>
           <a:prstGeom prst="rect">
             <a:avLst/>
@@ -3522,6 +5143,7 @@
                   <a:srgbClr val="000000"/>
                 </a:solidFill>
                 <a:latin typeface="Calibri"/>
+                <a:ea typeface="DejaVu Sans"/>
               </a:rPr>
               <a:t>1400-1450ish</a:t>
             </a:r>
@@ -3544,6 +5166,7 @@
                   <a:srgbClr val="000000"/>
                 </a:solidFill>
                 <a:latin typeface="Calibri"/>
+                <a:ea typeface="DejaVu Sans"/>
               </a:rPr>
               <a:t>    </a:t>
             </a:r>
@@ -3553,6 +5176,7 @@
                   <a:srgbClr val="000000"/>
                 </a:solidFill>
                 <a:latin typeface="Calibri"/>
+                <a:ea typeface="DejaVu Sans"/>
               </a:rPr>
               <a:t>- dscp</a:t>
             </a:r>
@@ -3575,6 +5199,7 @@
                   <a:srgbClr val="000000"/>
                 </a:solidFill>
                 <a:latin typeface="Calibri"/>
+                <a:ea typeface="DejaVu Sans"/>
               </a:rPr>
               <a:t>    </a:t>
             </a:r>
@@ -3584,6 +5209,7 @@
                   <a:srgbClr val="000000"/>
                 </a:solidFill>
                 <a:latin typeface="Calibri"/>
+                <a:ea typeface="DejaVu Sans"/>
               </a:rPr>
               <a:t>- pandemic security effects (both directions)</a:t>
             </a:r>
@@ -3606,6 +5232,7 @@
                   <a:srgbClr val="000000"/>
                 </a:solidFill>
                 <a:latin typeface="Calibri"/>
+                <a:ea typeface="DejaVu Sans"/>
               </a:rPr>
               <a:t>    </a:t>
             </a:r>
@@ -3615,6 +5242,7 @@
                   <a:srgbClr val="000000"/>
                 </a:solidFill>
                 <a:latin typeface="Calibri"/>
+                <a:ea typeface="DejaVu Sans"/>
               </a:rPr>
               <a:t>- what'd we forget or want to revisit?</a:t>
             </a:r>
@@ -3637,6 +5265,7 @@
                   <a:srgbClr val="000000"/>
                 </a:solidFill>
                 <a:latin typeface="Calibri"/>
+                <a:ea typeface="DejaVu Sans"/>
               </a:rPr>
               <a:t>    </a:t>
             </a:r>
@@ -3646,6 +5275,7 @@
                   <a:srgbClr val="000000"/>
                 </a:solidFill>
                 <a:latin typeface="Calibri"/>
+                <a:ea typeface="DejaVu Sans"/>
               </a:rPr>
               <a:t>- summarising/listing things we've learned</a:t>
             </a:r>
@@ -3668,6 +5298,7 @@
                   <a:srgbClr val="000000"/>
                 </a:solidFill>
                 <a:latin typeface="Calibri"/>
+                <a:ea typeface="DejaVu Sans"/>
               </a:rPr>
               <a:t>    </a:t>
             </a:r>
@@ -3677,6 +5308,7 @@
                   <a:srgbClr val="000000"/>
                 </a:solidFill>
                 <a:latin typeface="Calibri"/>
+                <a:ea typeface="DejaVu Sans"/>
               </a:rPr>
               <a:t>- list pandemic-related things to consider for the future</a:t>
             </a:r>
@@ -3699,6 +5331,7 @@
                   <a:srgbClr val="000000"/>
                 </a:solidFill>
                 <a:latin typeface="Calibri"/>
+                <a:ea typeface="DejaVu Sans"/>
               </a:rPr>
               <a:t>1500-1550</a:t>
             </a:r>
@@ -3721,6 +5354,7 @@
                   <a:srgbClr val="000000"/>
                 </a:solidFill>
                 <a:latin typeface="Calibri"/>
+                <a:ea typeface="DejaVu Sans"/>
               </a:rPr>
               <a:t>    </a:t>
             </a:r>
@@ -3730,6 +5364,7 @@
                   <a:srgbClr val="000000"/>
                 </a:solidFill>
                 <a:latin typeface="Calibri"/>
+                <a:ea typeface="DejaVu Sans"/>
               </a:rPr>
               <a:t>- talk about pandemic-related things to consider for the future </a:t>
             </a:r>
@@ -3752,6 +5387,7 @@
                   <a:srgbClr val="000000"/>
                 </a:solidFill>
                 <a:latin typeface="Calibri"/>
+                <a:ea typeface="DejaVu Sans"/>
               </a:rPr>
               <a:t>    </a:t>
             </a:r>
@@ -3761,6 +5397,7 @@
                   <a:srgbClr val="000000"/>
                 </a:solidFill>
                 <a:latin typeface="Calibri"/>
+                <a:ea typeface="DejaVu Sans"/>
               </a:rPr>
               <a:t>- actions from the w/s</a:t>
             </a:r>
@@ -3783,6 +5420,7 @@
                   <a:srgbClr val="000000"/>
                 </a:solidFill>
                 <a:latin typeface="Calibri"/>
+                <a:ea typeface="DejaVu Sans"/>
               </a:rPr>
               <a:t>    </a:t>
             </a:r>
@@ -3792,6 +5430,7 @@
                   <a:srgbClr val="000000"/>
                 </a:solidFill>
                 <a:latin typeface="Calibri"/>
+                <a:ea typeface="DejaVu Sans"/>
               </a:rPr>
               <a:t>- conclusions and wrap-up</a:t>
             </a:r>
@@ -3814,6 +5453,7 @@
                   <a:srgbClr val="000000"/>
                 </a:solidFill>
                 <a:latin typeface="Calibri"/>
+                <a:ea typeface="DejaVu Sans"/>
               </a:rPr>
               <a:t>        </a:t>
             </a:r>
@@ -3823,6 +5463,7 @@
                   <a:srgbClr val="000000"/>
                 </a:solidFill>
                 <a:latin typeface="Calibri"/>
+                <a:ea typeface="DejaVu Sans"/>
               </a:rPr>
               <a:t>- incl. feedback on event format</a:t>
             </a:r>
@@ -3877,14 +5518,14 @@
       </p:grpSpPr>
       <p:sp>
         <p:nvSpPr>
-          <p:cNvPr id="80" name="TextShape 1"/>
-          <p:cNvSpPr txBox="1"/>
+          <p:cNvPr id="118" name="CustomShape 1"/>
+          <p:cNvSpPr/>
           <p:nvPr/>
         </p:nvSpPr>
         <p:spPr>
           <a:xfrm>
             <a:off x="609480" y="273600"/>
-            <a:ext cx="10972440" cy="1144800"/>
+            <a:ext cx="10972080" cy="1144440"/>
           </a:xfrm>
           <a:prstGeom prst="rect">
             <a:avLst/>
@@ -3894,12 +5535,22 @@
             <a:noFill/>
           </a:ln>
         </p:spPr>
+        <p:style>
+          <a:lnRef idx="0"/>
+          <a:fillRef idx="0"/>
+          <a:effectRef idx="0"/>
+          <a:fontRef idx="minor"/>
+        </p:style>
         <p:txBody>
           <a:bodyPr lIns="0" rIns="0" tIns="0" bIns="0" anchor="ctr">
             <a:noAutofit/>
           </a:bodyPr>
           <a:p>
-            <a:pPr algn="ctr"/>
+            <a:pPr algn="ctr">
+              <a:lnSpc>
+                <a:spcPct val="100000"/>
+              </a:lnSpc>
+            </a:pPr>
             <a:r>
               <a:rPr b="0" lang="en-GB" sz="4400" spc="-1" strike="noStrike">
                 <a:latin typeface="Arial"/>
@@ -3914,14 +5565,14 @@
       </p:sp>
       <p:sp>
         <p:nvSpPr>
-          <p:cNvPr id="81" name="TextShape 2"/>
-          <p:cNvSpPr txBox="1"/>
+          <p:cNvPr id="119" name="CustomShape 2"/>
+          <p:cNvSpPr/>
           <p:nvPr/>
         </p:nvSpPr>
         <p:spPr>
           <a:xfrm>
             <a:off x="609480" y="1604520"/>
-            <a:ext cx="10972440" cy="3977280"/>
+            <a:ext cx="10972080" cy="3976920"/>
           </a:xfrm>
           <a:prstGeom prst="rect">
             <a:avLst/>
@@ -3931,12 +5582,21 @@
             <a:noFill/>
           </a:ln>
         </p:spPr>
-        <p:txBody>
-          <a:bodyPr lIns="0" rIns="0" tIns="0" bIns="0">
-            <a:normAutofit/>
-          </a:bodyPr>
-          <a:p>
-            <a:pPr marL="432000" indent="-324000">
+        <p:style>
+          <a:lnRef idx="0"/>
+          <a:fillRef idx="0"/>
+          <a:effectRef idx="0"/>
+          <a:fontRef idx="minor"/>
+        </p:style>
+        <p:txBody>
+          <a:bodyPr lIns="0" rIns="0" tIns="0" bIns="0">
+            <a:normAutofit/>
+          </a:bodyPr>
+          <a:p>
+            <a:pPr marL="432000" indent="-323640">
+              <a:lnSpc>
+                <a:spcPct val="100000"/>
+              </a:lnSpc>
               <a:spcBef>
                 <a:spcPts val="1417"/>
               </a:spcBef>
@@ -3958,7 +5618,10 @@
             </a:endParaRPr>
           </a:p>
           <a:p>
-            <a:pPr marL="432000" indent="-324000">
+            <a:pPr marL="432000" indent="-323640">
+              <a:lnSpc>
+                <a:spcPct val="100000"/>
+              </a:lnSpc>
               <a:spcBef>
                 <a:spcPts val="1417"/>
               </a:spcBef>
@@ -3976,7 +5639,11 @@
               <a:t>The pad is: </a:t>
             </a:r>
             <a:r>
-              <a:rPr b="0" lang="en-GB" sz="3200" spc="-1" strike="noStrike">
+              <a:rPr b="0" lang="en-GB" sz="3200" spc="-1" strike="noStrike" u="sng">
+                <a:solidFill>
+                  <a:srgbClr val="0563c1"/>
+                </a:solidFill>
+                <a:uFillTx/>
                 <a:latin typeface="Arial"/>
                 <a:hlinkClick r:id="rId1"/>
               </a:rPr>
@@ -3984,6 +5651,9 @@
             </a:r>
             <a:r>
               <a:rPr b="0" lang="en-GB" sz="3200" spc="-1" strike="noStrike">
+                <a:solidFill>
+                  <a:srgbClr val="0563c1"/>
+                </a:solidFill>
                 <a:latin typeface="Arial"/>
               </a:rPr>
               <a:t> </a:t>
@@ -3993,7 +5663,10 @@
             </a:endParaRPr>
           </a:p>
           <a:p>
-            <a:pPr marL="432000" indent="-324000">
+            <a:pPr marL="432000" indent="-323640">
+              <a:lnSpc>
+                <a:spcPct val="100000"/>
+              </a:lnSpc>
               <a:spcBef>
                 <a:spcPts val="1417"/>
               </a:spcBef>
@@ -4006,12 +5679,19 @@
             </a:pPr>
             <a:r>
               <a:rPr b="0" lang="en-GB" sz="3200" spc="-1" strike="noStrike">
+                <a:solidFill>
+                  <a:srgbClr val="0563c1"/>
+                </a:solidFill>
                 <a:latin typeface="Arial"/>
               </a:rPr>
               <a:t>The w/s IAB web page is: </a:t>
             </a:r>
             <a:r>
-              <a:rPr b="0" lang="en-GB" sz="3200" spc="-1" strike="noStrike">
+              <a:rPr b="0" lang="en-GB" sz="3200" spc="-1" strike="noStrike" u="sng">
+                <a:solidFill>
+                  <a:srgbClr val="0563c1"/>
+                </a:solidFill>
+                <a:uFillTx/>
                 <a:latin typeface="Arial"/>
                 <a:hlinkClick r:id="rId2"/>
               </a:rPr>
@@ -4022,7 +5702,10 @@
             </a:endParaRPr>
           </a:p>
           <a:p>
-            <a:pPr marL="432000" indent="-324000">
+            <a:pPr marL="432000" indent="-323640">
+              <a:lnSpc>
+                <a:spcPct val="100000"/>
+              </a:lnSpc>
               <a:spcBef>
                 <a:spcPts val="1417"/>
               </a:spcBef>
@@ -4035,12 +5718,19 @@
             </a:pPr>
             <a:r>
               <a:rPr b="0" lang="en-GB" sz="3200" spc="-1" strike="noStrike">
+                <a:solidFill>
+                  <a:srgbClr val="0563c1"/>
+                </a:solidFill>
                 <a:latin typeface="Arial"/>
               </a:rPr>
               <a:t>The git repo is: </a:t>
             </a:r>
             <a:r>
-              <a:rPr b="0" lang="en-GB" sz="3200" spc="-1" strike="noStrike">
+              <a:rPr b="0" lang="en-GB" sz="3200" spc="-1" strike="noStrike" u="sng">
+                <a:solidFill>
+                  <a:srgbClr val="0563c1"/>
+                </a:solidFill>
+                <a:uFillTx/>
                 <a:latin typeface="Arial"/>
                 <a:hlinkClick r:id="rId3"/>
               </a:rPr>
@@ -4048,6 +5738,9 @@
             </a:r>
             <a:r>
               <a:rPr b="0" lang="en-GB" sz="3200" spc="-1" strike="noStrike">
+                <a:solidFill>
+                  <a:srgbClr val="0563c1"/>
+                </a:solidFill>
                 <a:latin typeface="Arial"/>
               </a:rPr>
               <a:t> </a:t>
@@ -4090,14 +5783,14 @@
       </p:grpSpPr>
       <p:sp>
         <p:nvSpPr>
-          <p:cNvPr id="82" name="TextShape 1"/>
-          <p:cNvSpPr txBox="1"/>
+          <p:cNvPr id="120" name="CustomShape 1"/>
+          <p:cNvSpPr/>
           <p:nvPr/>
         </p:nvSpPr>
         <p:spPr>
           <a:xfrm>
             <a:off x="609480" y="273600"/>
-            <a:ext cx="10972440" cy="1144800"/>
+            <a:ext cx="10972080" cy="1144440"/>
           </a:xfrm>
           <a:prstGeom prst="rect">
             <a:avLst/>
@@ -4107,12 +5800,22 @@
             <a:noFill/>
           </a:ln>
         </p:spPr>
+        <p:style>
+          <a:lnRef idx="0"/>
+          <a:fillRef idx="0"/>
+          <a:effectRef idx="0"/>
+          <a:fontRef idx="minor"/>
+        </p:style>
         <p:txBody>
           <a:bodyPr lIns="0" rIns="0" tIns="0" bIns="0" anchor="ctr">
             <a:noAutofit/>
           </a:bodyPr>
           <a:p>
-            <a:pPr algn="ctr"/>
+            <a:pPr algn="ctr">
+              <a:lnSpc>
+                <a:spcPct val="100000"/>
+              </a:lnSpc>
+            </a:pPr>
             <a:r>
               <a:rPr b="0" lang="en-GB" sz="4400" spc="-1" strike="noStrike">
                 <a:latin typeface="Arial"/>
@@ -4127,14 +5830,14 @@
       </p:sp>
       <p:sp>
         <p:nvSpPr>
-          <p:cNvPr id="83" name="TextShape 2"/>
-          <p:cNvSpPr txBox="1"/>
+          <p:cNvPr id="121" name="CustomShape 2"/>
+          <p:cNvSpPr/>
           <p:nvPr/>
         </p:nvSpPr>
         <p:spPr>
           <a:xfrm>
             <a:off x="609480" y="1604520"/>
-            <a:ext cx="10972440" cy="3977280"/>
+            <a:ext cx="10972080" cy="3976920"/>
           </a:xfrm>
           <a:prstGeom prst="rect">
             <a:avLst/>
@@ -4144,12 +5847,21 @@
             <a:noFill/>
           </a:ln>
         </p:spPr>
-        <p:txBody>
-          <a:bodyPr lIns="0" rIns="0" tIns="0" bIns="0">
-            <a:normAutofit fontScale="91000"/>
-          </a:bodyPr>
-          <a:p>
-            <a:pPr marL="432000" indent="-324000">
+        <p:style>
+          <a:lnRef idx="0"/>
+          <a:fillRef idx="0"/>
+          <a:effectRef idx="0"/>
+          <a:fontRef idx="minor"/>
+        </p:style>
+        <p:txBody>
+          <a:bodyPr lIns="0" rIns="0" tIns="0" bIns="0">
+            <a:normAutofit fontScale="48000"/>
+          </a:bodyPr>
+          <a:p>
+            <a:pPr marL="432000" indent="-323640">
+              <a:lnSpc>
+                <a:spcPct val="100000"/>
+              </a:lnSpc>
               <a:spcBef>
                 <a:spcPts val="1417"/>
               </a:spcBef>
@@ -4171,7 +5883,10 @@
             </a:endParaRPr>
           </a:p>
           <a:p>
-            <a:pPr marL="432000" indent="-324000">
+            <a:pPr marL="432000" indent="-323640">
+              <a:lnSpc>
+                <a:spcPct val="100000"/>
+              </a:lnSpc>
               <a:spcBef>
                 <a:spcPts val="1417"/>
               </a:spcBef>
@@ -4193,7 +5908,10 @@
             </a:endParaRPr>
           </a:p>
           <a:p>
-            <a:pPr marL="432000" indent="-324000">
+            <a:pPr marL="432000" indent="-323640">
+              <a:lnSpc>
+                <a:spcPct val="100000"/>
+              </a:lnSpc>
               <a:spcBef>
                 <a:spcPts val="1417"/>
               </a:spcBef>
@@ -4215,7 +5933,10 @@
             </a:endParaRPr>
           </a:p>
           <a:p>
-            <a:pPr marL="432000" indent="-324000">
+            <a:pPr marL="432000" indent="-323640">
+              <a:lnSpc>
+                <a:spcPct val="100000"/>
+              </a:lnSpc>
               <a:spcBef>
                 <a:spcPts val="1417"/>
               </a:spcBef>
@@ -4237,7 +5958,10 @@
             </a:endParaRPr>
           </a:p>
           <a:p>
-            <a:pPr marL="432000" indent="-324000">
+            <a:pPr marL="432000" indent="-323640">
+              <a:lnSpc>
+                <a:spcPct val="100000"/>
+              </a:lnSpc>
               <a:spcBef>
                 <a:spcPts val="1417"/>
               </a:spcBef>
@@ -4253,6 +5977,31 @@
                 <a:latin typeface="Arial"/>
               </a:rPr>
               <a:t>@end of today, will ask for feedback about w/s format – esp if/as that might affect future events post-pandemic</a:t>
+            </a:r>
+            <a:endParaRPr b="0" lang="en-GB" sz="3200" spc="-1" strike="noStrike">
+              <a:latin typeface="Arial"/>
+            </a:endParaRPr>
+          </a:p>
+          <a:p>
+            <a:pPr marL="432000" indent="-323640">
+              <a:lnSpc>
+                <a:spcPct val="100000"/>
+              </a:lnSpc>
+              <a:spcBef>
+                <a:spcPts val="1417"/>
+              </a:spcBef>
+              <a:buClr>
+                <a:srgbClr val="000000"/>
+              </a:buClr>
+              <a:buSzPct val="45000"/>
+              <a:buFont typeface="Wingdings" charset="2"/>
+              <a:buChar char=""/>
+            </a:pPr>
+            <a:r>
+              <a:rPr b="0" lang="en-GB" sz="3200" spc="-1" strike="noStrike">
+                <a:latin typeface="Arial"/>
+              </a:rPr>
+              <a:t>Later: we’ll continue w/s report drafting, mail will go to list – please do read/comment on that</a:t>
             </a:r>
             <a:endParaRPr b="0" lang="en-GB" sz="3200" spc="-1" strike="noStrike">
               <a:latin typeface="Arial"/>
@@ -4292,14 +6041,14 @@
       </p:grpSpPr>
       <p:sp>
         <p:nvSpPr>
-          <p:cNvPr id="84" name="TextShape 1"/>
-          <p:cNvSpPr txBox="1"/>
+          <p:cNvPr id="122" name="CustomShape 1"/>
+          <p:cNvSpPr/>
           <p:nvPr/>
         </p:nvSpPr>
         <p:spPr>
           <a:xfrm>
             <a:off x="609480" y="273600"/>
-            <a:ext cx="10972440" cy="1144800"/>
+            <a:ext cx="10972080" cy="1144440"/>
           </a:xfrm>
           <a:prstGeom prst="rect">
             <a:avLst/>
@@ -4309,12 +6058,22 @@
             <a:noFill/>
           </a:ln>
         </p:spPr>
+        <p:style>
+          <a:lnRef idx="0"/>
+          <a:fillRef idx="0"/>
+          <a:effectRef idx="0"/>
+          <a:fontRef idx="minor"/>
+        </p:style>
         <p:txBody>
           <a:bodyPr lIns="0" rIns="0" tIns="0" bIns="0" anchor="ctr">
             <a:noAutofit/>
           </a:bodyPr>
           <a:p>
-            <a:pPr algn="ctr"/>
+            <a:pPr algn="ctr">
+              <a:lnSpc>
+                <a:spcPct val="100000"/>
+              </a:lnSpc>
+            </a:pPr>
             <a:r>
               <a:rPr b="0" lang="en-GB" sz="4400" spc="-1" strike="noStrike">
                 <a:latin typeface="Arial"/>
@@ -4329,14 +6088,14 @@
       </p:sp>
       <p:sp>
         <p:nvSpPr>
-          <p:cNvPr id="85" name="TextShape 2"/>
-          <p:cNvSpPr txBox="1"/>
+          <p:cNvPr id="123" name="CustomShape 2"/>
+          <p:cNvSpPr/>
           <p:nvPr/>
         </p:nvSpPr>
         <p:spPr>
           <a:xfrm>
             <a:off x="609480" y="1604520"/>
-            <a:ext cx="10972440" cy="3977280"/>
+            <a:ext cx="10972080" cy="3976920"/>
           </a:xfrm>
           <a:prstGeom prst="rect">
             <a:avLst/>
@@ -4346,16 +6105,12 @@
             <a:noFill/>
           </a:ln>
         </p:spPr>
-        <p:txBody>
-          <a:bodyPr lIns="0" rIns="0" tIns="0" bIns="0">
-            <a:normAutofit/>
-          </a:bodyPr>
-          <a:p>
-            <a:endParaRPr b="0" lang="en-GB" sz="3200" spc="-1" strike="noStrike">
-              <a:latin typeface="Arial"/>
-            </a:endParaRPr>
-          </a:p>
-        </p:txBody>
+        <p:style>
+          <a:lnRef idx="0"/>
+          <a:fillRef idx="0"/>
+          <a:effectRef idx="0"/>
+          <a:fontRef idx="minor"/>
+        </p:style>
       </p:sp>
     </p:spTree>
   </p:cSld>
@@ -4389,14 +6144,14 @@
       </p:grpSpPr>
       <p:sp>
         <p:nvSpPr>
-          <p:cNvPr id="86" name="TextShape 1"/>
-          <p:cNvSpPr txBox="1"/>
+          <p:cNvPr id="124" name="CustomShape 1"/>
+          <p:cNvSpPr/>
           <p:nvPr/>
         </p:nvSpPr>
         <p:spPr>
           <a:xfrm>
             <a:off x="609480" y="273600"/>
-            <a:ext cx="10972440" cy="1144800"/>
+            <a:ext cx="10972080" cy="1144440"/>
           </a:xfrm>
           <a:prstGeom prst="rect">
             <a:avLst/>
@@ -4406,12 +6161,22 @@
             <a:noFill/>
           </a:ln>
         </p:spPr>
+        <p:style>
+          <a:lnRef idx="0"/>
+          <a:fillRef idx="0"/>
+          <a:effectRef idx="0"/>
+          <a:fontRef idx="minor"/>
+        </p:style>
         <p:txBody>
           <a:bodyPr lIns="0" rIns="0" tIns="0" bIns="0" anchor="ctr">
             <a:noAutofit/>
           </a:bodyPr>
           <a:p>
-            <a:pPr algn="ctr"/>
+            <a:pPr algn="ctr">
+              <a:lnSpc>
+                <a:spcPct val="100000"/>
+              </a:lnSpc>
+            </a:pPr>
             <a:r>
               <a:rPr b="0" lang="en-GB" sz="4400" spc="-1" strike="noStrike">
                 <a:latin typeface="Arial"/>
@@ -4426,14 +6191,14 @@
       </p:sp>
       <p:sp>
         <p:nvSpPr>
-          <p:cNvPr id="87" name="TextShape 2"/>
-          <p:cNvSpPr txBox="1"/>
+          <p:cNvPr id="125" name="CustomShape 2"/>
+          <p:cNvSpPr/>
           <p:nvPr/>
         </p:nvSpPr>
         <p:spPr>
           <a:xfrm>
             <a:off x="609480" y="1604520"/>
-            <a:ext cx="10972440" cy="3977280"/>
+            <a:ext cx="10972080" cy="3976920"/>
           </a:xfrm>
           <a:prstGeom prst="rect">
             <a:avLst/>
@@ -4443,16 +6208,12 @@
             <a:noFill/>
           </a:ln>
         </p:spPr>
-        <p:txBody>
-          <a:bodyPr lIns="0" rIns="0" tIns="0" bIns="0">
-            <a:normAutofit/>
-          </a:bodyPr>
-          <a:p>
-            <a:endParaRPr b="0" lang="en-GB" sz="3200" spc="-1" strike="noStrike">
-              <a:latin typeface="Arial"/>
-            </a:endParaRPr>
-          </a:p>
-        </p:txBody>
+        <p:style>
+          <a:lnRef idx="0"/>
+          <a:fillRef idx="0"/>
+          <a:effectRef idx="0"/>
+          <a:fontRef idx="minor"/>
+        </p:style>
       </p:sp>
     </p:spTree>
   </p:cSld>
@@ -4917,4 +6678,230 @@
     </a:fmtScheme>
   </a:themeElements>
 </a:theme>
+</file>
+
+<file path=ppt/theme/theme3.xml><?xml version="1.0" encoding="utf-8"?>
+<a:theme xmlns:a="http://schemas.openxmlformats.org/drawingml/2006/main" name="Office Theme">
+  <a:themeElements>
+    <a:clrScheme name="Office">
+      <a:dk1>
+        <a:sysClr val="windowText" lastClr="000000"/>
+      </a:dk1>
+      <a:lt1>
+        <a:sysClr val="window" lastClr="FFFFFF"/>
+      </a:lt1>
+      <a:dk2>
+        <a:srgbClr val="44546a"/>
+      </a:dk2>
+      <a:lt2>
+        <a:srgbClr val="e7e6e6"/>
+      </a:lt2>
+      <a:accent1>
+        <a:srgbClr val="4472c4"/>
+      </a:accent1>
+      <a:accent2>
+        <a:srgbClr val="ed7d31"/>
+      </a:accent2>
+      <a:accent3>
+        <a:srgbClr val="a5a5a5"/>
+      </a:accent3>
+      <a:accent4>
+        <a:srgbClr val="ffc000"/>
+      </a:accent4>
+      <a:accent5>
+        <a:srgbClr val="5b9bd5"/>
+      </a:accent5>
+      <a:accent6>
+        <a:srgbClr val="70ad47"/>
+      </a:accent6>
+      <a:hlink>
+        <a:srgbClr val="0563c1"/>
+      </a:hlink>
+      <a:folHlink>
+        <a:srgbClr val="954f72"/>
+      </a:folHlink>
+    </a:clrScheme>
+    <a:fontScheme name="Office">
+      <a:majorFont>
+        <a:latin typeface="Arial"/>
+        <a:ea typeface="DejaVu Sans"/>
+        <a:cs typeface="DejaVu Sans"/>
+      </a:majorFont>
+      <a:minorFont>
+        <a:latin typeface="Arial"/>
+        <a:ea typeface="DejaVu Sans"/>
+        <a:cs typeface="DejaVu Sans"/>
+      </a:minorFont>
+    </a:fontScheme>
+    <a:fmtScheme name="Office">
+      <a:fillStyleLst>
+        <a:solidFill>
+          <a:schemeClr val="phClr"/>
+        </a:solidFill>
+        <a:gradFill rotWithShape="1">
+          <a:gsLst>
+            <a:gs pos="0">
+              <a:schemeClr val="phClr">
+                <a:tint val="50000"/>
+                <a:satMod val="300000"/>
+              </a:schemeClr>
+            </a:gs>
+            <a:gs pos="35000">
+              <a:schemeClr val="phClr">
+                <a:tint val="37000"/>
+                <a:satMod val="300000"/>
+              </a:schemeClr>
+            </a:gs>
+            <a:gs pos="100000">
+              <a:schemeClr val="phClr">
+                <a:tint val="15000"/>
+                <a:satMod val="350000"/>
+              </a:schemeClr>
+            </a:gs>
+          </a:gsLst>
+          <a:lin ang="16200000" scaled="1"/>
+        </a:gradFill>
+        <a:gradFill rotWithShape="1">
+          <a:gsLst>
+            <a:gs pos="0">
+              <a:schemeClr val="phClr">
+                <a:shade val="51000"/>
+                <a:satMod val="130000"/>
+              </a:schemeClr>
+            </a:gs>
+            <a:gs pos="80000">
+              <a:schemeClr val="phClr">
+                <a:shade val="93000"/>
+                <a:satMod val="130000"/>
+              </a:schemeClr>
+            </a:gs>
+            <a:gs pos="100000">
+              <a:schemeClr val="phClr">
+                <a:shade val="94000"/>
+                <a:satMod val="135000"/>
+              </a:schemeClr>
+            </a:gs>
+          </a:gsLst>
+          <a:lin ang="16200000" scaled="0"/>
+        </a:gradFill>
+      </a:fillStyleLst>
+      <a:lnStyleLst>
+        <a:ln w="9525" cap="flat" cmpd="sng" algn="ctr">
+          <a:solidFill>
+            <a:schemeClr val="phClr">
+              <a:shade val="95000"/>
+              <a:satMod val="105000"/>
+            </a:schemeClr>
+          </a:solidFill>
+          <a:prstDash val="solid"/>
+          <a:miter/>
+        </a:ln>
+        <a:ln w="25400" cap="flat" cmpd="sng" algn="ctr">
+          <a:solidFill>
+            <a:schemeClr val="phClr"/>
+          </a:solidFill>
+          <a:prstDash val="solid"/>
+          <a:miter/>
+        </a:ln>
+        <a:ln w="38100" cap="flat" cmpd="sng" algn="ctr">
+          <a:solidFill>
+            <a:schemeClr val="phClr"/>
+          </a:solidFill>
+          <a:prstDash val="solid"/>
+          <a:miter/>
+        </a:ln>
+      </a:lnStyleLst>
+      <a:effectStyleLst>
+        <a:effectStyle>
+          <a:effectLst>
+            <a:outerShdw blurRad="40000" dist="20000" dir="5400000" rotWithShape="0">
+              <a:srgbClr val="000000">
+                <a:alpha val="38000"/>
+              </a:srgbClr>
+            </a:outerShdw>
+          </a:effectLst>
+        </a:effectStyle>
+        <a:effectStyle>
+          <a:effectLst>
+            <a:outerShdw blurRad="40000" dist="23000" dir="5400000" rotWithShape="0">
+              <a:srgbClr val="000000">
+                <a:alpha val="35000"/>
+              </a:srgbClr>
+            </a:outerShdw>
+          </a:effectLst>
+        </a:effectStyle>
+        <a:effectStyle>
+          <a:effectLst>
+            <a:outerShdw blurRad="40000" dist="23000" dir="5400000" rotWithShape="0">
+              <a:srgbClr val="000000">
+                <a:alpha val="35000"/>
+              </a:srgbClr>
+            </a:outerShdw>
+          </a:effectLst>
+          <a:scene3d>
+            <a:camera prst="orthographicFront">
+              <a:rot lat="0" lon="0" rev="0"/>
+            </a:camera>
+            <a:lightRig rig="threePt" dir="t">
+              <a:rot lat="0" lon="0" rev="1200000"/>
+            </a:lightRig>
+          </a:scene3d>
+          <a:sp3d>
+            <a:bevelT w="63500" h="25400"/>
+          </a:sp3d>
+        </a:effectStyle>
+      </a:effectStyleLst>
+      <a:bgFillStyleLst>
+        <a:solidFill>
+          <a:schemeClr val="phClr"/>
+        </a:solidFill>
+        <a:gradFill rotWithShape="1">
+          <a:gsLst>
+            <a:gs pos="0">
+              <a:schemeClr val="phClr">
+                <a:tint val="40000"/>
+                <a:satMod val="350000"/>
+              </a:schemeClr>
+            </a:gs>
+            <a:gs pos="40000">
+              <a:schemeClr val="phClr">
+                <a:tint val="45000"/>
+                <a:shade val="99000"/>
+                <a:satMod val="350000"/>
+              </a:schemeClr>
+            </a:gs>
+            <a:gs pos="100000">
+              <a:schemeClr val="phClr">
+                <a:shade val="20000"/>
+                <a:satMod val="255000"/>
+              </a:schemeClr>
+            </a:gs>
+          </a:gsLst>
+          <a:path path="circle">
+            <a:fillToRect l="50000" t="-80000" r="50000" b="180000"/>
+          </a:path>
+        </a:gradFill>
+        <a:gradFill rotWithShape="1">
+          <a:gsLst>
+            <a:gs pos="0">
+              <a:schemeClr val="phClr">
+                <a:tint val="80000"/>
+                <a:satMod val="300000"/>
+              </a:schemeClr>
+            </a:gs>
+            <a:gs pos="100000">
+              <a:schemeClr val="phClr">
+                <a:shade val="30000"/>
+                <a:satMod val="200000"/>
+              </a:schemeClr>
+            </a:gs>
+          </a:gsLst>
+          <a:path path="circle">
+            <a:fillToRect l="50000" t="50000" r="50000" b="50000"/>
+          </a:path>
+        </a:gradFill>
+      </a:bgFillStyleLst>
+    </a:fmtScheme>
+  </a:themeElements>
+</a:theme>
 </file>